--- a/CC18 ATF.pptx
+++ b/CC18 ATF.pptx
@@ -323,7 +323,7 @@
               <a:pPr>
                 <a:defRPr/>
               </a:pPr>
-              <a:t>2/6/18</a:t>
+              <a:t>2/8/18</a:t>
             </a:fld>
             <a:endParaRPr lang="en-US" dirty="0"/>
           </a:p>
@@ -547,7 +547,7 @@
               <a:pPr>
                 <a:defRPr/>
               </a:pPr>
-              <a:t>2/6/18</a:t>
+              <a:t>2/8/18</a:t>
             </a:fld>
             <a:endParaRPr lang="en-US" dirty="0"/>
           </a:p>
@@ -7160,7 +7160,7 @@
           <p:cNvPr id="5" name="Picture 4">
             <a:extLst>
               <a:ext uri="{FF2B5EF4-FFF2-40B4-BE49-F238E27FC236}">
-                <a16:creationId xmlns:a16="http://schemas.microsoft.com/office/drawing/2014/main" xmlns="" id="{881A7365-045F-4881-90F3-BEA2A8B2DBFB}"/>
+                <a16:creationId xmlns="" xmlns:a16="http://schemas.microsoft.com/office/drawing/2014/main" id="{881A7365-045F-4881-90F3-BEA2A8B2DBFB}"/>
               </a:ext>
             </a:extLst>
           </p:cNvPr>
@@ -11515,7 +11515,7 @@
           <p:cNvPr id="5" name="Picture 4">
             <a:extLst>
               <a:ext uri="{FF2B5EF4-FFF2-40B4-BE49-F238E27FC236}">
-                <a16:creationId xmlns:a16="http://schemas.microsoft.com/office/drawing/2014/main" xmlns="" id="{479C2AC3-9D87-4AB5-B543-70C92A68099B}"/>
+                <a16:creationId xmlns="" xmlns:a16="http://schemas.microsoft.com/office/drawing/2014/main" id="{479C2AC3-9D87-4AB5-B543-70C92A68099B}"/>
               </a:ext>
             </a:extLst>
           </p:cNvPr>
@@ -11944,7 +11944,6 @@
               <a:rPr lang="en-US" sz="2000" dirty="0" smtClean="0"/>
               <a:t>Shrity Verma</a:t>
             </a:r>
-            <a:endParaRPr lang="en-US" sz="2000" dirty="0" smtClean="0"/>
           </a:p>
           <a:p>
             <a:pPr fontAlgn="auto">
@@ -12009,7 +12008,11 @@
             </a:pPr>
             <a:r>
               <a:rPr lang="en-US" sz="2000" dirty="0" smtClean="0"/>
-              <a:t>Joel Fisher</a:t>
+              <a:t>Joel </a:t>
+            </a:r>
+            <a:r>
+              <a:rPr lang="en-US" sz="2000" dirty="0" smtClean="0"/>
+              <a:t>Fischer</a:t>
             </a:r>
             <a:endParaRPr lang="en-US" sz="2000" dirty="0"/>
           </a:p>
@@ -12025,9 +12028,10 @@
               <a:defRPr/>
             </a:pPr>
             <a:r>
-              <a:rPr lang="en-US" sz="1400" dirty="0"/>
-              <a:t>Title</a:t>
-            </a:r>
+              <a:rPr lang="en-US" sz="1400" dirty="0" smtClean="0"/>
+              <a:t>Lead Developer</a:t>
+            </a:r>
+            <a:endParaRPr lang="en-US" sz="1400" dirty="0"/>
           </a:p>
           <a:p>
             <a:pPr fontAlgn="auto">
@@ -12041,9 +12045,10 @@
               <a:defRPr/>
             </a:pPr>
             <a:r>
-              <a:rPr lang="en-US" sz="1400" dirty="0"/>
-              <a:t>Company</a:t>
-            </a:r>
+              <a:rPr lang="en-US" sz="1400" dirty="0" smtClean="0"/>
+              <a:t>ServiceNow</a:t>
+            </a:r>
+            <a:endParaRPr lang="en-US" sz="1400" dirty="0"/>
           </a:p>
         </p:txBody>
       </p:sp>
@@ -12118,11 +12123,7 @@
           <a:p>
             <a:r>
               <a:rPr lang="en-US" dirty="0" smtClean="0"/>
-              <a:t>Exercise</a:t>
-            </a:r>
-            <a:r>
-              <a:rPr lang="en-US" dirty="0" smtClean="0"/>
-              <a:t>:</a:t>
+              <a:t>Exercise:</a:t>
             </a:r>
             <a:endParaRPr lang="en-US" dirty="0"/>
           </a:p>
@@ -12170,14 +12171,12 @@
               <a:rPr lang="en-US" dirty="0" smtClean="0"/>
               <a:t>Run the rest</a:t>
             </a:r>
-            <a:endParaRPr lang="en-US" dirty="0" smtClean="0"/>
           </a:p>
           <a:p>
             <a:r>
               <a:rPr lang="en-US" dirty="0" smtClean="0"/>
               <a:t>Result</a:t>
             </a:r>
-            <a:endParaRPr lang="en-US" dirty="0" smtClean="0"/>
           </a:p>
           <a:p>
             <a:pPr lvl="1"/>
@@ -12192,7 +12191,6 @@
               <a:rPr lang="en-US" dirty="0" smtClean="0"/>
               <a:t>Go to test result to view the failure</a:t>
             </a:r>
-            <a:endParaRPr lang="en-US" dirty="0" smtClean="0"/>
           </a:p>
         </p:txBody>
       </p:sp>
@@ -12269,11 +12267,7 @@
           <a:p>
             <a:r>
               <a:rPr lang="en-US" dirty="0" smtClean="0"/>
-              <a:t>Exercise</a:t>
-            </a:r>
-            <a:r>
-              <a:rPr lang="en-US" dirty="0" smtClean="0"/>
-              <a:t>:</a:t>
+              <a:t>Exercise:</a:t>
             </a:r>
             <a:endParaRPr lang="en-US" dirty="0"/>
           </a:p>
@@ -12305,7 +12299,6 @@
               <a:rPr lang="en-US" dirty="0" smtClean="0"/>
               <a:t>Run the rest</a:t>
             </a:r>
-            <a:endParaRPr lang="en-US" dirty="0" smtClean="0"/>
           </a:p>
           <a:p>
             <a:r>
@@ -12398,11 +12391,7 @@
           <a:p>
             <a:r>
               <a:rPr lang="en-US" dirty="0" smtClean="0"/>
-              <a:t>Exercise</a:t>
-            </a:r>
-            <a:r>
-              <a:rPr lang="en-US" dirty="0" smtClean="0"/>
-              <a:t>:</a:t>
+              <a:t>Exercise:</a:t>
             </a:r>
             <a:endParaRPr lang="en-US" dirty="0"/>
           </a:p>
@@ -12441,7 +12430,6 @@
               <a:rPr lang="en-US" dirty="0" smtClean="0"/>
               <a:t>Run the rest</a:t>
             </a:r>
-            <a:endParaRPr lang="en-US" dirty="0" smtClean="0"/>
           </a:p>
           <a:p>
             <a:r>
@@ -12508,15 +12496,19 @@
           <a:p>
             <a:r>
               <a:rPr lang="en-US" dirty="0" smtClean="0"/>
-              <a:t>Lab 5</a:t>
+              <a:t>Lab 5: </a:t>
+            </a:r>
+            <a:r>
+              <a:rPr lang="en-US" dirty="0"/>
+              <a:t>What to do when you encounter </a:t>
             </a:r>
             <a:r>
               <a:rPr lang="en-US" dirty="0" smtClean="0"/>
-              <a:t>: </a:t>
+              <a:t>client-side JavaScript </a:t>
             </a:r>
             <a:r>
               <a:rPr lang="en-US" dirty="0"/>
-              <a:t>What to do when you encounter client side Java script error</a:t>
+              <a:t>error</a:t>
             </a:r>
           </a:p>
         </p:txBody>
@@ -12538,11 +12530,7 @@
           <a:p>
             <a:r>
               <a:rPr lang="en-US" dirty="0" smtClean="0"/>
-              <a:t>Exercise</a:t>
-            </a:r>
-            <a:r>
-              <a:rPr lang="en-US" dirty="0" smtClean="0"/>
-              <a:t>:</a:t>
+              <a:t>Exercise:</a:t>
             </a:r>
             <a:endParaRPr lang="en-US" dirty="0"/>
           </a:p>
@@ -12581,7 +12569,6 @@
               <a:rPr lang="en-US" dirty="0" smtClean="0"/>
               <a:t>Run the rest</a:t>
             </a:r>
-            <a:endParaRPr lang="en-US" dirty="0" smtClean="0"/>
           </a:p>
           <a:p>
             <a:r>
@@ -12648,11 +12635,7 @@
           <a:p>
             <a:r>
               <a:rPr lang="en-US" dirty="0" smtClean="0"/>
-              <a:t>Lab 5</a:t>
-            </a:r>
-            <a:r>
-              <a:rPr lang="en-US" dirty="0" smtClean="0"/>
-              <a:t>: </a:t>
+              <a:t>Lab 5: </a:t>
             </a:r>
             <a:r>
               <a:rPr lang="en-US" dirty="0"/>
@@ -12683,11 +12666,7 @@
           <a:p>
             <a:r>
               <a:rPr lang="en-US" dirty="0" smtClean="0"/>
-              <a:t>Exercise</a:t>
-            </a:r>
-            <a:r>
-              <a:rPr lang="en-US" dirty="0" smtClean="0"/>
-              <a:t>:</a:t>
+              <a:t>Exercise:</a:t>
             </a:r>
             <a:endParaRPr lang="en-US" dirty="0"/>
           </a:p>
@@ -12756,11 +12735,7 @@
           <a:p>
             <a:r>
               <a:rPr lang="en-US" dirty="0" smtClean="0"/>
-              <a:t>Lab 5</a:t>
-            </a:r>
-            <a:r>
-              <a:rPr lang="en-US" dirty="0" smtClean="0"/>
-              <a:t>: Create new test step</a:t>
+              <a:t>Lab 5: Create new test step</a:t>
             </a:r>
             <a:endParaRPr lang="en-US" dirty="0"/>
           </a:p>
@@ -12783,11 +12758,7 @@
           <a:p>
             <a:r>
               <a:rPr lang="en-US" dirty="0" smtClean="0"/>
-              <a:t>Exercise</a:t>
-            </a:r>
-            <a:r>
-              <a:rPr lang="en-US" dirty="0" smtClean="0"/>
-              <a:t>:</a:t>
+              <a:t>Exercise:</a:t>
             </a:r>
             <a:endParaRPr lang="en-US" dirty="0"/>
           </a:p>
@@ -12870,11 +12841,7 @@
           <a:p>
             <a:r>
               <a:rPr lang="en-US" dirty="0" smtClean="0"/>
-              <a:t>Lab 5</a:t>
-            </a:r>
-            <a:r>
-              <a:rPr lang="en-US" dirty="0" smtClean="0"/>
-              <a:t>: </a:t>
+              <a:t>Lab 5: </a:t>
             </a:r>
             <a:r>
               <a:rPr lang="en-US" dirty="0"/>
@@ -12900,11 +12867,7 @@
           <a:p>
             <a:r>
               <a:rPr lang="en-US" dirty="0" smtClean="0"/>
-              <a:t>Exercise</a:t>
-            </a:r>
-            <a:r>
-              <a:rPr lang="en-US" dirty="0" smtClean="0"/>
-              <a:t>:</a:t>
+              <a:t>Exercise:</a:t>
             </a:r>
             <a:endParaRPr lang="en-US" dirty="0"/>
           </a:p>
@@ -12980,11 +12943,7 @@
           <a:p>
             <a:r>
               <a:rPr lang="en-US" dirty="0" smtClean="0"/>
-              <a:t>Lab 5</a:t>
-            </a:r>
-            <a:r>
-              <a:rPr lang="en-US" dirty="0" smtClean="0"/>
-              <a:t>: </a:t>
+              <a:t>Lab 5: </a:t>
             </a:r>
             <a:r>
               <a:rPr lang="en-US" dirty="0"/>
@@ -13010,11 +12969,7 @@
           <a:p>
             <a:r>
               <a:rPr lang="en-US" dirty="0" smtClean="0"/>
-              <a:t>Exercise</a:t>
-            </a:r>
-            <a:r>
-              <a:rPr lang="en-US" dirty="0" smtClean="0"/>
-              <a:t>:</a:t>
+              <a:t>Exercise:</a:t>
             </a:r>
             <a:endParaRPr lang="en-US" dirty="0"/>
           </a:p>
@@ -13108,7 +13063,7 @@
           <p:cNvPr id="7" name="Group 6">
             <a:extLst>
               <a:ext uri="{FF2B5EF4-FFF2-40B4-BE49-F238E27FC236}">
-                <a16:creationId xmlns:a16="http://schemas.microsoft.com/office/drawing/2014/main" xmlns="" id="{455393AD-C149-4875-B7FF-63FF8FA04944}"/>
+                <a16:creationId xmlns="" xmlns:a16="http://schemas.microsoft.com/office/drawing/2014/main" id="{455393AD-C149-4875-B7FF-63FF8FA04944}"/>
               </a:ext>
             </a:extLst>
           </p:cNvPr>
@@ -13128,7 +13083,7 @@
             <p:cNvPr id="8" name="Rectangle 7">
               <a:extLst>
                 <a:ext uri="{FF2B5EF4-FFF2-40B4-BE49-F238E27FC236}">
-                  <a16:creationId xmlns:a16="http://schemas.microsoft.com/office/drawing/2014/main" xmlns="" id="{98E173D1-AE2E-4967-9456-EE0D53DCAF03}"/>
+                  <a16:creationId xmlns="" xmlns:a16="http://schemas.microsoft.com/office/drawing/2014/main" id="{98E173D1-AE2E-4967-9456-EE0D53DCAF03}"/>
                 </a:ext>
               </a:extLst>
             </p:cNvPr>
@@ -13185,7 +13140,7 @@
             <p:cNvPr id="9" name="TextBox 8">
               <a:extLst>
                 <a:ext uri="{FF2B5EF4-FFF2-40B4-BE49-F238E27FC236}">
-                  <a16:creationId xmlns:a16="http://schemas.microsoft.com/office/drawing/2014/main" xmlns="" id="{7CF5CE77-141A-4D8F-9E5A-0EE4BA1277B7}"/>
+                  <a16:creationId xmlns="" xmlns:a16="http://schemas.microsoft.com/office/drawing/2014/main" id="{7CF5CE77-141A-4D8F-9E5A-0EE4BA1277B7}"/>
                 </a:ext>
               </a:extLst>
             </p:cNvPr>
@@ -13257,7 +13212,7 @@
             <p:cNvPr id="10" name="Rectangle 9">
               <a:extLst>
                 <a:ext uri="{FF2B5EF4-FFF2-40B4-BE49-F238E27FC236}">
-                  <a16:creationId xmlns:a16="http://schemas.microsoft.com/office/drawing/2014/main" xmlns="" id="{4F5A631F-6121-4440-A9B1-004AC0159EF8}"/>
+                  <a16:creationId xmlns="" xmlns:a16="http://schemas.microsoft.com/office/drawing/2014/main" id="{4F5A631F-6121-4440-A9B1-004AC0159EF8}"/>
                 </a:ext>
               </a:extLst>
             </p:cNvPr>
@@ -13312,7 +13267,7 @@
             <p:cNvPr id="11" name="Oval 10">
               <a:extLst>
                 <a:ext uri="{FF2B5EF4-FFF2-40B4-BE49-F238E27FC236}">
-                  <a16:creationId xmlns:a16="http://schemas.microsoft.com/office/drawing/2014/main" xmlns="" id="{83DA1A7E-F626-4A0E-B774-95FEC47281FC}"/>
+                  <a16:creationId xmlns="" xmlns:a16="http://schemas.microsoft.com/office/drawing/2014/main" id="{83DA1A7E-F626-4A0E-B774-95FEC47281FC}"/>
                 </a:ext>
               </a:extLst>
             </p:cNvPr>
@@ -13373,7 +13328,7 @@
             <p:cNvPr id="12" name="Group 11">
               <a:extLst>
                 <a:ext uri="{FF2B5EF4-FFF2-40B4-BE49-F238E27FC236}">
-                  <a16:creationId xmlns:a16="http://schemas.microsoft.com/office/drawing/2014/main" xmlns="" id="{DBD4E389-93EF-4B8C-9B61-2F3B88DC9ED4}"/>
+                  <a16:creationId xmlns="" xmlns:a16="http://schemas.microsoft.com/office/drawing/2014/main" id="{DBD4E389-93EF-4B8C-9B61-2F3B88DC9ED4}"/>
                 </a:ext>
               </a:extLst>
             </p:cNvPr>
@@ -13393,7 +13348,7 @@
               <p:cNvPr id="18" name="Rectangle 17">
                 <a:extLst>
                   <a:ext uri="{FF2B5EF4-FFF2-40B4-BE49-F238E27FC236}">
-                    <a16:creationId xmlns:a16="http://schemas.microsoft.com/office/drawing/2014/main" xmlns="" id="{9B39C6D7-EEFB-4E14-BDF1-8AFA539D9329}"/>
+                    <a16:creationId xmlns="" xmlns:a16="http://schemas.microsoft.com/office/drawing/2014/main" id="{9B39C6D7-EEFB-4E14-BDF1-8AFA539D9329}"/>
                   </a:ext>
                 </a:extLst>
               </p:cNvPr>
@@ -13452,7 +13407,7 @@
               <p:cNvPr id="19" name="TextBox 18">
                 <a:extLst>
                   <a:ext uri="{FF2B5EF4-FFF2-40B4-BE49-F238E27FC236}">
-                    <a16:creationId xmlns:a16="http://schemas.microsoft.com/office/drawing/2014/main" xmlns="" id="{0F32803F-0FED-4CFA-BAAA-F4F84A32634B}"/>
+                    <a16:creationId xmlns="" xmlns:a16="http://schemas.microsoft.com/office/drawing/2014/main" id="{0F32803F-0FED-4CFA-BAAA-F4F84A32634B}"/>
                   </a:ext>
                 </a:extLst>
               </p:cNvPr>
@@ -13528,7 +13483,7 @@
               <p:cNvPr id="20" name="Rectangle 19">
                 <a:extLst>
                   <a:ext uri="{FF2B5EF4-FFF2-40B4-BE49-F238E27FC236}">
-                    <a16:creationId xmlns:a16="http://schemas.microsoft.com/office/drawing/2014/main" xmlns="" id="{A1DEFEBD-424B-4EBB-9766-0ED85312BDC9}"/>
+                    <a16:creationId xmlns="" xmlns:a16="http://schemas.microsoft.com/office/drawing/2014/main" id="{A1DEFEBD-424B-4EBB-9766-0ED85312BDC9}"/>
                   </a:ext>
                 </a:extLst>
               </p:cNvPr>
@@ -13584,7 +13539,7 @@
             <p:cNvPr id="13" name="Rectangle 12">
               <a:extLst>
                 <a:ext uri="{FF2B5EF4-FFF2-40B4-BE49-F238E27FC236}">
-                  <a16:creationId xmlns:a16="http://schemas.microsoft.com/office/drawing/2014/main" xmlns="" id="{13B0B6CF-B0BD-4A34-8354-602C0703CAE7}"/>
+                  <a16:creationId xmlns="" xmlns:a16="http://schemas.microsoft.com/office/drawing/2014/main" id="{13B0B6CF-B0BD-4A34-8354-602C0703CAE7}"/>
                 </a:ext>
               </a:extLst>
             </p:cNvPr>
@@ -13646,7 +13601,7 @@
             <p:cNvPr id="14" name="TextBox 13">
               <a:extLst>
                 <a:ext uri="{FF2B5EF4-FFF2-40B4-BE49-F238E27FC236}">
-                  <a16:creationId xmlns:a16="http://schemas.microsoft.com/office/drawing/2014/main" xmlns="" id="{F0CB6F00-FE98-4A62-A6F3-CE62169814BD}"/>
+                  <a16:creationId xmlns="" xmlns:a16="http://schemas.microsoft.com/office/drawing/2014/main" id="{F0CB6F00-FE98-4A62-A6F3-CE62169814BD}"/>
                 </a:ext>
               </a:extLst>
             </p:cNvPr>
@@ -13722,7 +13677,7 @@
             <p:cNvPr id="15" name="Rectangle 14">
               <a:extLst>
                 <a:ext uri="{FF2B5EF4-FFF2-40B4-BE49-F238E27FC236}">
-                  <a16:creationId xmlns:a16="http://schemas.microsoft.com/office/drawing/2014/main" xmlns="" id="{6EF35873-FFB8-4EC9-A094-CCEAC52FAFF5}"/>
+                  <a16:creationId xmlns="" xmlns:a16="http://schemas.microsoft.com/office/drawing/2014/main" id="{6EF35873-FFB8-4EC9-A094-CCEAC52FAFF5}"/>
                 </a:ext>
               </a:extLst>
             </p:cNvPr>
@@ -13777,7 +13732,7 @@
             <p:cNvPr id="16" name="Oval 15">
               <a:extLst>
                 <a:ext uri="{FF2B5EF4-FFF2-40B4-BE49-F238E27FC236}">
-                  <a16:creationId xmlns:a16="http://schemas.microsoft.com/office/drawing/2014/main" xmlns="" id="{94787828-4708-446A-8226-CD3EFD5920D1}"/>
+                  <a16:creationId xmlns="" xmlns:a16="http://schemas.microsoft.com/office/drawing/2014/main" id="{94787828-4708-446A-8226-CD3EFD5920D1}"/>
                 </a:ext>
               </a:extLst>
             </p:cNvPr>
@@ -13838,7 +13793,7 @@
             <p:cNvPr id="17" name="Oval 16">
               <a:extLst>
                 <a:ext uri="{FF2B5EF4-FFF2-40B4-BE49-F238E27FC236}">
-                  <a16:creationId xmlns:a16="http://schemas.microsoft.com/office/drawing/2014/main" xmlns="" id="{627CBCD9-0BE3-4710-8CF2-7EF71FFDADFC}"/>
+                  <a16:creationId xmlns="" xmlns:a16="http://schemas.microsoft.com/office/drawing/2014/main" id="{627CBCD9-0BE3-4710-8CF2-7EF71FFDADFC}"/>
                 </a:ext>
               </a:extLst>
             </p:cNvPr>
@@ -14277,13 +14232,18 @@
               <a:defRPr/>
             </a:pPr>
             <a:r>
-              <a:rPr lang="en-US" sz="2000" b="1" dirty="0">
+              <a:rPr lang="en-US" sz="2000" b="1" dirty="0" smtClean="0">
                 <a:solidFill>
                   <a:srgbClr val="FFFFFF"/>
                 </a:solidFill>
               </a:rPr>
-              <a:t>&lt;Presenter Name&gt;</a:t>
-            </a:r>
+              <a:t>Joel Fischer</a:t>
+            </a:r>
+            <a:endParaRPr lang="en-US" sz="2000" b="1" dirty="0">
+              <a:solidFill>
+                <a:srgbClr val="FFFFFF"/>
+              </a:solidFill>
+            </a:endParaRPr>
           </a:p>
           <a:p>
             <a:pPr algn="ctr" fontAlgn="auto">
@@ -14293,13 +14253,18 @@
               <a:defRPr/>
             </a:pPr>
             <a:r>
-              <a:rPr lang="en-US" sz="2000" i="1" dirty="0">
+              <a:rPr lang="en-US" sz="2000" i="1" dirty="0" smtClean="0">
                 <a:solidFill>
                   <a:srgbClr val="FFFFFF"/>
                 </a:solidFill>
               </a:rPr>
-              <a:t>&lt;Presenter Title&gt;</a:t>
-            </a:r>
+              <a:t>Lead Developer</a:t>
+            </a:r>
+            <a:endParaRPr lang="en-US" sz="2000" i="1" dirty="0">
+              <a:solidFill>
+                <a:srgbClr val="FFFFFF"/>
+              </a:solidFill>
+            </a:endParaRPr>
           </a:p>
           <a:p>
             <a:pPr algn="ctr" fontAlgn="auto">
@@ -14309,13 +14274,18 @@
               <a:defRPr/>
             </a:pPr>
             <a:r>
-              <a:rPr lang="en-US" sz="2000" dirty="0">
+              <a:rPr lang="en-US" sz="2000" dirty="0" smtClean="0">
                 <a:solidFill>
                   <a:srgbClr val="FFFFFF"/>
                 </a:solidFill>
               </a:rPr>
-              <a:t>&lt;Presenter Company&gt;</a:t>
-            </a:r>
+              <a:t>ServiceNow</a:t>
+            </a:r>
+            <a:endParaRPr lang="en-US" sz="2000" dirty="0">
+              <a:solidFill>
+                <a:srgbClr val="FFFFFF"/>
+              </a:solidFill>
+            </a:endParaRPr>
           </a:p>
           <a:p>
             <a:pPr algn="ctr" fontAlgn="auto">
@@ -14325,13 +14295,18 @@
               <a:defRPr/>
             </a:pPr>
             <a:r>
-              <a:rPr lang="en-US" sz="1800" dirty="0">
+              <a:rPr lang="en-US" sz="1800" dirty="0" err="1" smtClean="0">
                 <a:solidFill>
                   <a:srgbClr val="FFFFFF"/>
                 </a:solidFill>
               </a:rPr>
-              <a:t>&lt;Presenter Email&gt;</a:t>
-            </a:r>
+              <a:t>joel.fischer@servicenow.com</a:t>
+            </a:r>
+            <a:endParaRPr lang="en-US" sz="1800" dirty="0">
+              <a:solidFill>
+                <a:srgbClr val="FFFFFF"/>
+              </a:solidFill>
+            </a:endParaRPr>
           </a:p>
         </p:txBody>
       </p:sp>
@@ -14560,7 +14535,7 @@
           <p:cNvPr id="5" name="Group 4">
             <a:extLst>
               <a:ext uri="{FF2B5EF4-FFF2-40B4-BE49-F238E27FC236}">
-                <a16:creationId xmlns:a16="http://schemas.microsoft.com/office/drawing/2014/main" xmlns="" id="{FD6CA6A6-DCBA-4D4A-90E8-D0F72AEC09F6}"/>
+                <a16:creationId xmlns="" xmlns:a16="http://schemas.microsoft.com/office/drawing/2014/main" id="{FD6CA6A6-DCBA-4D4A-90E8-D0F72AEC09F6}"/>
               </a:ext>
             </a:extLst>
           </p:cNvPr>
@@ -14580,7 +14555,7 @@
             <p:cNvPr id="7" name="Rectangle 6">
               <a:extLst>
                 <a:ext uri="{FF2B5EF4-FFF2-40B4-BE49-F238E27FC236}">
-                  <a16:creationId xmlns:a16="http://schemas.microsoft.com/office/drawing/2014/main" xmlns="" id="{08C435E4-8A7E-4971-8940-477ACF63645F}"/>
+                  <a16:creationId xmlns="" xmlns:a16="http://schemas.microsoft.com/office/drawing/2014/main" id="{08C435E4-8A7E-4971-8940-477ACF63645F}"/>
                 </a:ext>
               </a:extLst>
             </p:cNvPr>
@@ -14642,7 +14617,7 @@
             <p:cNvPr id="8" name="Rectangle 7">
               <a:extLst>
                 <a:ext uri="{FF2B5EF4-FFF2-40B4-BE49-F238E27FC236}">
-                  <a16:creationId xmlns:a16="http://schemas.microsoft.com/office/drawing/2014/main" xmlns="" id="{98AE96A7-A203-4C2A-A8CF-FAAB0E5193FD}"/>
+                  <a16:creationId xmlns="" xmlns:a16="http://schemas.microsoft.com/office/drawing/2014/main" id="{98AE96A7-A203-4C2A-A8CF-FAAB0E5193FD}"/>
                 </a:ext>
               </a:extLst>
             </p:cNvPr>
@@ -14724,7 +14699,7 @@
           <p:cNvPr id="17" name="Group 16">
             <a:extLst>
               <a:ext uri="{FF2B5EF4-FFF2-40B4-BE49-F238E27FC236}">
-                <a16:creationId xmlns:a16="http://schemas.microsoft.com/office/drawing/2014/main" xmlns="" id="{7CB1499C-8665-4CE4-B768-2F500C9FC856}"/>
+                <a16:creationId xmlns="" xmlns:a16="http://schemas.microsoft.com/office/drawing/2014/main" id="{7CB1499C-8665-4CE4-B768-2F500C9FC856}"/>
               </a:ext>
             </a:extLst>
           </p:cNvPr>
@@ -14744,7 +14719,7 @@
             <p:cNvPr id="9" name="Rectangle 8">
               <a:extLst>
                 <a:ext uri="{FF2B5EF4-FFF2-40B4-BE49-F238E27FC236}">
-                  <a16:creationId xmlns:a16="http://schemas.microsoft.com/office/drawing/2014/main" xmlns="" id="{51FC9F92-6EE4-4082-897D-87A88BEC4F42}"/>
+                  <a16:creationId xmlns="" xmlns:a16="http://schemas.microsoft.com/office/drawing/2014/main" id="{51FC9F92-6EE4-4082-897D-87A88BEC4F42}"/>
                 </a:ext>
               </a:extLst>
             </p:cNvPr>
@@ -14806,7 +14781,7 @@
             <p:cNvPr id="10" name="Rectangle 9">
               <a:extLst>
                 <a:ext uri="{FF2B5EF4-FFF2-40B4-BE49-F238E27FC236}">
-                  <a16:creationId xmlns:a16="http://schemas.microsoft.com/office/drawing/2014/main" xmlns="" id="{8E3D1B01-DDC5-4B8B-858B-E5ABABE27A81}"/>
+                  <a16:creationId xmlns="" xmlns:a16="http://schemas.microsoft.com/office/drawing/2014/main" id="{8E3D1B01-DDC5-4B8B-858B-E5ABABE27A81}"/>
                 </a:ext>
               </a:extLst>
             </p:cNvPr>
@@ -14888,7 +14863,7 @@
           <p:cNvPr id="18" name="Group 17">
             <a:extLst>
               <a:ext uri="{FF2B5EF4-FFF2-40B4-BE49-F238E27FC236}">
-                <a16:creationId xmlns:a16="http://schemas.microsoft.com/office/drawing/2014/main" xmlns="" id="{1C14CA54-1BA5-4C63-8F59-9B97A4FA7BE3}"/>
+                <a16:creationId xmlns="" xmlns:a16="http://schemas.microsoft.com/office/drawing/2014/main" id="{1C14CA54-1BA5-4C63-8F59-9B97A4FA7BE3}"/>
               </a:ext>
             </a:extLst>
           </p:cNvPr>
@@ -14908,7 +14883,7 @@
             <p:cNvPr id="11" name="Rectangle 10">
               <a:extLst>
                 <a:ext uri="{FF2B5EF4-FFF2-40B4-BE49-F238E27FC236}">
-                  <a16:creationId xmlns:a16="http://schemas.microsoft.com/office/drawing/2014/main" xmlns="" id="{6FA1CF03-D278-4D20-80DC-7A0A16DADA62}"/>
+                  <a16:creationId xmlns="" xmlns:a16="http://schemas.microsoft.com/office/drawing/2014/main" id="{6FA1CF03-D278-4D20-80DC-7A0A16DADA62}"/>
                 </a:ext>
               </a:extLst>
             </p:cNvPr>
@@ -14970,7 +14945,7 @@
             <p:cNvPr id="12" name="Rectangle 11">
               <a:extLst>
                 <a:ext uri="{FF2B5EF4-FFF2-40B4-BE49-F238E27FC236}">
-                  <a16:creationId xmlns:a16="http://schemas.microsoft.com/office/drawing/2014/main" xmlns="" id="{6CB41831-CC34-4493-9E8E-811469A49199}"/>
+                  <a16:creationId xmlns="" xmlns:a16="http://schemas.microsoft.com/office/drawing/2014/main" id="{6CB41831-CC34-4493-9E8E-811469A49199}"/>
                 </a:ext>
               </a:extLst>
             </p:cNvPr>
@@ -15041,7 +15016,7 @@
           <p:cNvPr id="19" name="Group 18">
             <a:extLst>
               <a:ext uri="{FF2B5EF4-FFF2-40B4-BE49-F238E27FC236}">
-                <a16:creationId xmlns:a16="http://schemas.microsoft.com/office/drawing/2014/main" xmlns="" id="{917D5AB0-DC34-4F04-BE6C-93E2513E46E8}"/>
+                <a16:creationId xmlns="" xmlns:a16="http://schemas.microsoft.com/office/drawing/2014/main" id="{917D5AB0-DC34-4F04-BE6C-93E2513E46E8}"/>
               </a:ext>
             </a:extLst>
           </p:cNvPr>
@@ -15061,7 +15036,7 @@
             <p:cNvPr id="13" name="Rectangle 12">
               <a:extLst>
                 <a:ext uri="{FF2B5EF4-FFF2-40B4-BE49-F238E27FC236}">
-                  <a16:creationId xmlns:a16="http://schemas.microsoft.com/office/drawing/2014/main" xmlns="" id="{BA05C869-854B-4805-97A3-40601FC5B26D}"/>
+                  <a16:creationId xmlns="" xmlns:a16="http://schemas.microsoft.com/office/drawing/2014/main" id="{BA05C869-854B-4805-97A3-40601FC5B26D}"/>
                 </a:ext>
               </a:extLst>
             </p:cNvPr>
@@ -15123,7 +15098,7 @@
             <p:cNvPr id="14" name="Rectangle 13">
               <a:extLst>
                 <a:ext uri="{FF2B5EF4-FFF2-40B4-BE49-F238E27FC236}">
-                  <a16:creationId xmlns:a16="http://schemas.microsoft.com/office/drawing/2014/main" xmlns="" id="{A4F3F37A-1E84-458D-9B24-D84BB75B8E4C}"/>
+                  <a16:creationId xmlns="" xmlns:a16="http://schemas.microsoft.com/office/drawing/2014/main" id="{A4F3F37A-1E84-458D-9B24-D84BB75B8E4C}"/>
                 </a:ext>
               </a:extLst>
             </p:cNvPr>
@@ -15205,7 +15180,7 @@
           <p:cNvPr id="20" name="Group 19">
             <a:extLst>
               <a:ext uri="{FF2B5EF4-FFF2-40B4-BE49-F238E27FC236}">
-                <a16:creationId xmlns:a16="http://schemas.microsoft.com/office/drawing/2014/main" xmlns="" id="{6B12FA3E-9D0B-41F9-8C1F-86AD6C94B176}"/>
+                <a16:creationId xmlns="" xmlns:a16="http://schemas.microsoft.com/office/drawing/2014/main" id="{6B12FA3E-9D0B-41F9-8C1F-86AD6C94B176}"/>
               </a:ext>
             </a:extLst>
           </p:cNvPr>
@@ -15225,7 +15200,7 @@
             <p:cNvPr id="15" name="Rectangle 14">
               <a:extLst>
                 <a:ext uri="{FF2B5EF4-FFF2-40B4-BE49-F238E27FC236}">
-                  <a16:creationId xmlns:a16="http://schemas.microsoft.com/office/drawing/2014/main" xmlns="" id="{D9824F38-8739-42CA-A6F7-AE775D5FD599}"/>
+                  <a16:creationId xmlns="" xmlns:a16="http://schemas.microsoft.com/office/drawing/2014/main" id="{D9824F38-8739-42CA-A6F7-AE775D5FD599}"/>
                 </a:ext>
               </a:extLst>
             </p:cNvPr>
@@ -15287,7 +15262,7 @@
             <p:cNvPr id="16" name="Rectangle 15">
               <a:extLst>
                 <a:ext uri="{FF2B5EF4-FFF2-40B4-BE49-F238E27FC236}">
-                  <a16:creationId xmlns:a16="http://schemas.microsoft.com/office/drawing/2014/main" xmlns="" id="{ACC98883-8A6E-4CF9-813D-AFB2046046E6}"/>
+                  <a16:creationId xmlns="" xmlns:a16="http://schemas.microsoft.com/office/drawing/2014/main" id="{ACC98883-8A6E-4CF9-813D-AFB2046046E6}"/>
                 </a:ext>
               </a:extLst>
             </p:cNvPr>
@@ -15369,7 +15344,7 @@
           <p:cNvPr id="24" name="Group 23">
             <a:extLst>
               <a:ext uri="{FF2B5EF4-FFF2-40B4-BE49-F238E27FC236}">
-                <a16:creationId xmlns:a16="http://schemas.microsoft.com/office/drawing/2014/main" xmlns="" id="{FD6CA6A6-DCBA-4D4A-90E8-D0F72AEC09F6}"/>
+                <a16:creationId xmlns="" xmlns:a16="http://schemas.microsoft.com/office/drawing/2014/main" id="{FD6CA6A6-DCBA-4D4A-90E8-D0F72AEC09F6}"/>
               </a:ext>
             </a:extLst>
           </p:cNvPr>
@@ -15389,7 +15364,7 @@
             <p:cNvPr id="25" name="Rectangle 24">
               <a:extLst>
                 <a:ext uri="{FF2B5EF4-FFF2-40B4-BE49-F238E27FC236}">
-                  <a16:creationId xmlns:a16="http://schemas.microsoft.com/office/drawing/2014/main" xmlns="" id="{08C435E4-8A7E-4971-8940-477ACF63645F}"/>
+                  <a16:creationId xmlns="" xmlns:a16="http://schemas.microsoft.com/office/drawing/2014/main" id="{08C435E4-8A7E-4971-8940-477ACF63645F}"/>
                 </a:ext>
               </a:extLst>
             </p:cNvPr>
@@ -15451,7 +15426,7 @@
             <p:cNvPr id="26" name="Rectangle 25">
               <a:extLst>
                 <a:ext uri="{FF2B5EF4-FFF2-40B4-BE49-F238E27FC236}">
-                  <a16:creationId xmlns:a16="http://schemas.microsoft.com/office/drawing/2014/main" xmlns="" id="{98AE96A7-A203-4C2A-A8CF-FAAB0E5193FD}"/>
+                  <a16:creationId xmlns="" xmlns:a16="http://schemas.microsoft.com/office/drawing/2014/main" id="{98AE96A7-A203-4C2A-A8CF-FAAB0E5193FD}"/>
                 </a:ext>
               </a:extLst>
             </p:cNvPr>
@@ -16641,7 +16616,7 @@
           <p:cNvPr id="7" name="Group 6">
             <a:extLst>
               <a:ext uri="{FF2B5EF4-FFF2-40B4-BE49-F238E27FC236}">
-                <a16:creationId xmlns:a16="http://schemas.microsoft.com/office/drawing/2014/main" xmlns="" id="{455393AD-C149-4875-B7FF-63FF8FA04944}"/>
+                <a16:creationId xmlns="" xmlns:a16="http://schemas.microsoft.com/office/drawing/2014/main" id="{455393AD-C149-4875-B7FF-63FF8FA04944}"/>
               </a:ext>
             </a:extLst>
           </p:cNvPr>
@@ -16661,7 +16636,7 @@
             <p:cNvPr id="8" name="Rectangle 7">
               <a:extLst>
                 <a:ext uri="{FF2B5EF4-FFF2-40B4-BE49-F238E27FC236}">
-                  <a16:creationId xmlns:a16="http://schemas.microsoft.com/office/drawing/2014/main" xmlns="" id="{98E173D1-AE2E-4967-9456-EE0D53DCAF03}"/>
+                  <a16:creationId xmlns="" xmlns:a16="http://schemas.microsoft.com/office/drawing/2014/main" id="{98E173D1-AE2E-4967-9456-EE0D53DCAF03}"/>
                 </a:ext>
               </a:extLst>
             </p:cNvPr>
@@ -16718,7 +16693,7 @@
             <p:cNvPr id="9" name="TextBox 8">
               <a:extLst>
                 <a:ext uri="{FF2B5EF4-FFF2-40B4-BE49-F238E27FC236}">
-                  <a16:creationId xmlns:a16="http://schemas.microsoft.com/office/drawing/2014/main" xmlns="" id="{7CF5CE77-141A-4D8F-9E5A-0EE4BA1277B7}"/>
+                  <a16:creationId xmlns="" xmlns:a16="http://schemas.microsoft.com/office/drawing/2014/main" id="{7CF5CE77-141A-4D8F-9E5A-0EE4BA1277B7}"/>
                 </a:ext>
               </a:extLst>
             </p:cNvPr>
@@ -16827,7 +16802,7 @@
             <p:cNvPr id="10" name="Rectangle 9">
               <a:extLst>
                 <a:ext uri="{FF2B5EF4-FFF2-40B4-BE49-F238E27FC236}">
-                  <a16:creationId xmlns:a16="http://schemas.microsoft.com/office/drawing/2014/main" xmlns="" id="{4F5A631F-6121-4440-A9B1-004AC0159EF8}"/>
+                  <a16:creationId xmlns="" xmlns:a16="http://schemas.microsoft.com/office/drawing/2014/main" id="{4F5A631F-6121-4440-A9B1-004AC0159EF8}"/>
                 </a:ext>
               </a:extLst>
             </p:cNvPr>
@@ -16882,7 +16857,7 @@
             <p:cNvPr id="11" name="Oval 10">
               <a:extLst>
                 <a:ext uri="{FF2B5EF4-FFF2-40B4-BE49-F238E27FC236}">
-                  <a16:creationId xmlns:a16="http://schemas.microsoft.com/office/drawing/2014/main" xmlns="" id="{83DA1A7E-F626-4A0E-B774-95FEC47281FC}"/>
+                  <a16:creationId xmlns="" xmlns:a16="http://schemas.microsoft.com/office/drawing/2014/main" id="{83DA1A7E-F626-4A0E-B774-95FEC47281FC}"/>
                 </a:ext>
               </a:extLst>
             </p:cNvPr>
@@ -16943,7 +16918,7 @@
             <p:cNvPr id="12" name="Group 11">
               <a:extLst>
                 <a:ext uri="{FF2B5EF4-FFF2-40B4-BE49-F238E27FC236}">
-                  <a16:creationId xmlns:a16="http://schemas.microsoft.com/office/drawing/2014/main" xmlns="" id="{DBD4E389-93EF-4B8C-9B61-2F3B88DC9ED4}"/>
+                  <a16:creationId xmlns="" xmlns:a16="http://schemas.microsoft.com/office/drawing/2014/main" id="{DBD4E389-93EF-4B8C-9B61-2F3B88DC9ED4}"/>
                 </a:ext>
               </a:extLst>
             </p:cNvPr>
@@ -16953,9 +16928,9 @@
           <p:grpSpPr>
             <a:xfrm>
               <a:off x="717677" y="2372670"/>
-              <a:ext cx="3604896" cy="1815429"/>
+              <a:ext cx="3604896" cy="1815430"/>
               <a:chOff x="707845" y="2244807"/>
-              <a:chExt cx="3604896" cy="1815429"/>
+              <a:chExt cx="3604896" cy="1815430"/>
             </a:xfrm>
           </p:grpSpPr>
           <p:sp>
@@ -16963,7 +16938,7 @@
               <p:cNvPr id="18" name="Rectangle 17">
                 <a:extLst>
                   <a:ext uri="{FF2B5EF4-FFF2-40B4-BE49-F238E27FC236}">
-                    <a16:creationId xmlns:a16="http://schemas.microsoft.com/office/drawing/2014/main" xmlns="" id="{9B39C6D7-EEFB-4E14-BDF1-8AFA539D9329}"/>
+                    <a16:creationId xmlns="" xmlns:a16="http://schemas.microsoft.com/office/drawing/2014/main" id="{9B39C6D7-EEFB-4E14-BDF1-8AFA539D9329}"/>
                   </a:ext>
                 </a:extLst>
               </p:cNvPr>
@@ -16973,7 +16948,7 @@
             <p:spPr>
               <a:xfrm>
                 <a:off x="707845" y="2277672"/>
-                <a:ext cx="3575428" cy="1782564"/>
+                <a:ext cx="3575428" cy="1782565"/>
               </a:xfrm>
               <a:prstGeom prst="rect">
                 <a:avLst/>
@@ -17022,7 +16997,7 @@
               <p:cNvPr id="19" name="TextBox 18">
                 <a:extLst>
                   <a:ext uri="{FF2B5EF4-FFF2-40B4-BE49-F238E27FC236}">
-                    <a16:creationId xmlns:a16="http://schemas.microsoft.com/office/drawing/2014/main" xmlns="" id="{0F32803F-0FED-4CFA-BAAA-F4F84A32634B}"/>
+                    <a16:creationId xmlns="" xmlns:a16="http://schemas.microsoft.com/office/drawing/2014/main" id="{0F32803F-0FED-4CFA-BAAA-F4F84A32634B}"/>
                   </a:ext>
                 </a:extLst>
               </p:cNvPr>
@@ -17131,7 +17106,7 @@
               <p:cNvPr id="20" name="Rectangle 19">
                 <a:extLst>
                   <a:ext uri="{FF2B5EF4-FFF2-40B4-BE49-F238E27FC236}">
-                    <a16:creationId xmlns:a16="http://schemas.microsoft.com/office/drawing/2014/main" xmlns="" id="{A1DEFEBD-424B-4EBB-9766-0ED85312BDC9}"/>
+                    <a16:creationId xmlns="" xmlns:a16="http://schemas.microsoft.com/office/drawing/2014/main" id="{A1DEFEBD-424B-4EBB-9766-0ED85312BDC9}"/>
                   </a:ext>
                 </a:extLst>
               </p:cNvPr>
@@ -17187,7 +17162,7 @@
             <p:cNvPr id="13" name="Rectangle 12">
               <a:extLst>
                 <a:ext uri="{FF2B5EF4-FFF2-40B4-BE49-F238E27FC236}">
-                  <a16:creationId xmlns:a16="http://schemas.microsoft.com/office/drawing/2014/main" xmlns="" id="{13B0B6CF-B0BD-4A34-8354-602C0703CAE7}"/>
+                  <a16:creationId xmlns="" xmlns:a16="http://schemas.microsoft.com/office/drawing/2014/main" id="{13B0B6CF-B0BD-4A34-8354-602C0703CAE7}"/>
                 </a:ext>
               </a:extLst>
             </p:cNvPr>
@@ -17249,7 +17224,7 @@
             <p:cNvPr id="14" name="TextBox 13">
               <a:extLst>
                 <a:ext uri="{FF2B5EF4-FFF2-40B4-BE49-F238E27FC236}">
-                  <a16:creationId xmlns:a16="http://schemas.microsoft.com/office/drawing/2014/main" xmlns="" id="{F0CB6F00-FE98-4A62-A6F3-CE62169814BD}"/>
+                  <a16:creationId xmlns="" xmlns:a16="http://schemas.microsoft.com/office/drawing/2014/main" id="{F0CB6F00-FE98-4A62-A6F3-CE62169814BD}"/>
                 </a:ext>
               </a:extLst>
             </p:cNvPr>
@@ -17258,7 +17233,7 @@
           </p:nvSpPr>
           <p:spPr>
             <a:xfrm>
-              <a:off x="4229808" y="2975146"/>
+              <a:off x="4229808" y="3180655"/>
               <a:ext cx="3686976" cy="572259"/>
             </a:xfrm>
             <a:prstGeom prst="rect">
@@ -17289,16 +17264,19 @@
                   <a:ea typeface="Calibri" charset="0"/>
                   <a:cs typeface="Calibri" charset="0"/>
                 </a:rPr>
-                <a:t>FAMALIRATY WITH</a:t>
+                <a:t>FAMILIARITY </a:t>
               </a:r>
-              <a:endParaRPr lang="en-US" b="1" spc="200" dirty="0" smtClean="0">
-                <a:solidFill>
-                  <a:schemeClr val="bg2"/>
-                </a:solidFill>
-                <a:latin typeface="Calibri" charset="0"/>
-                <a:ea typeface="Calibri" charset="0"/>
-                <a:cs typeface="Calibri" charset="0"/>
-              </a:endParaRPr>
+              <a:r>
+                <a:rPr lang="en-US" b="1" spc="200" dirty="0" smtClean="0">
+                  <a:solidFill>
+                    <a:schemeClr val="bg2"/>
+                  </a:solidFill>
+                  <a:latin typeface="Calibri" charset="0"/>
+                  <a:ea typeface="Calibri" charset="0"/>
+                  <a:cs typeface="Calibri" charset="0"/>
+                </a:rPr>
+                <a:t>WITH</a:t>
+              </a:r>
             </a:p>
             <a:p>
               <a:pPr algn="ctr">
@@ -17334,7 +17312,7 @@
             <p:cNvPr id="15" name="Rectangle 14">
               <a:extLst>
                 <a:ext uri="{FF2B5EF4-FFF2-40B4-BE49-F238E27FC236}">
-                  <a16:creationId xmlns:a16="http://schemas.microsoft.com/office/drawing/2014/main" xmlns="" id="{6EF35873-FFB8-4EC9-A094-CCEAC52FAFF5}"/>
+                  <a16:creationId xmlns="" xmlns:a16="http://schemas.microsoft.com/office/drawing/2014/main" id="{6EF35873-FFB8-4EC9-A094-CCEAC52FAFF5}"/>
                 </a:ext>
               </a:extLst>
             </p:cNvPr>
@@ -17389,7 +17367,7 @@
             <p:cNvPr id="16" name="Oval 15">
               <a:extLst>
                 <a:ext uri="{FF2B5EF4-FFF2-40B4-BE49-F238E27FC236}">
-                  <a16:creationId xmlns:a16="http://schemas.microsoft.com/office/drawing/2014/main" xmlns="" id="{94787828-4708-446A-8226-CD3EFD5920D1}"/>
+                  <a16:creationId xmlns="" xmlns:a16="http://schemas.microsoft.com/office/drawing/2014/main" id="{94787828-4708-446A-8226-CD3EFD5920D1}"/>
                 </a:ext>
               </a:extLst>
             </p:cNvPr>
@@ -17450,7 +17428,7 @@
             <p:cNvPr id="17" name="Oval 16">
               <a:extLst>
                 <a:ext uri="{FF2B5EF4-FFF2-40B4-BE49-F238E27FC236}">
-                  <a16:creationId xmlns:a16="http://schemas.microsoft.com/office/drawing/2014/main" xmlns="" id="{627CBCD9-0BE3-4710-8CF2-7EF71FFDADFC}"/>
+                  <a16:creationId xmlns="" xmlns:a16="http://schemas.microsoft.com/office/drawing/2014/main" id="{627CBCD9-0BE3-4710-8CF2-7EF71FFDADFC}"/>
                 </a:ext>
               </a:extLst>
             </p:cNvPr>
@@ -17977,15 +17955,7 @@
             </a:r>
             <a:r>
               <a:rPr lang="en-US" sz="1600" dirty="0" smtClean="0"/>
-              <a:t>Side, Service </a:t>
-            </a:r>
-            <a:r>
-              <a:rPr lang="en-US" sz="1600" dirty="0" smtClean="0"/>
-              <a:t>Catalog, Service Portal </a:t>
-            </a:r>
-            <a:r>
-              <a:rPr lang="en-US" sz="1600" dirty="0" smtClean="0"/>
-              <a:t>and REST tests</a:t>
+              <a:t>Side, Service Catalog, Service Portal and REST tests</a:t>
             </a:r>
             <a:endParaRPr lang="en-US" sz="1600" dirty="0"/>
           </a:p>
@@ -18799,15 +18769,7 @@
           <a:p>
             <a:r>
               <a:rPr lang="en-US" dirty="0" smtClean="0"/>
-              <a:t>Lab 1</a:t>
-            </a:r>
-            <a:r>
-              <a:rPr lang="en-US" dirty="0" smtClean="0"/>
-              <a:t>: </a:t>
-            </a:r>
-            <a:r>
-              <a:rPr lang="en-US" dirty="0" smtClean="0"/>
-              <a:t>How to create simple test</a:t>
+              <a:t>Lab 1: How to create simple test</a:t>
             </a:r>
             <a:endParaRPr lang="en-US" dirty="0"/>
           </a:p>
@@ -18830,11 +18792,7 @@
           <a:p>
             <a:r>
               <a:rPr lang="en-US" dirty="0" smtClean="0"/>
-              <a:t>Exercise</a:t>
-            </a:r>
-            <a:r>
-              <a:rPr lang="en-US" dirty="0" smtClean="0"/>
-              <a:t>:</a:t>
+              <a:t>Exercise:</a:t>
             </a:r>
             <a:endParaRPr lang="en-US" dirty="0"/>
           </a:p>
@@ -18875,7 +18833,6 @@
               <a:rPr lang="en-US" dirty="0" smtClean="0"/>
               <a:t>Run the rest</a:t>
             </a:r>
-            <a:endParaRPr lang="en-US" dirty="0" smtClean="0"/>
           </a:p>
           <a:p>
             <a:r>
@@ -18889,7 +18846,6 @@
               <a:rPr lang="en-US" dirty="0" smtClean="0"/>
               <a:t>The test should pass</a:t>
             </a:r>
-            <a:endParaRPr lang="en-US" dirty="0" smtClean="0"/>
           </a:p>
         </p:txBody>
       </p:sp>

--- a/CC18 ATF.pptx
+++ b/CC18 ATF.pptx
@@ -323,9 +323,9 @@
               <a:pPr>
                 <a:defRPr/>
               </a:pPr>
-              <a:t>2/8/18</a:t>
+              <a:t>2/18/18</a:t>
             </a:fld>
-            <a:endParaRPr lang="en-US" dirty="0"/>
+            <a:endParaRPr lang="en-US"/>
           </a:p>
         </p:txBody>
       </p:sp>
@@ -420,7 +420,7 @@
               </a:pPr>
               <a:t>‹#›</a:t>
             </a:fld>
-            <a:endParaRPr lang="en-US" dirty="0"/>
+            <a:endParaRPr lang="en-US"/>
           </a:p>
         </p:txBody>
       </p:sp>
@@ -547,9 +547,9 @@
               <a:pPr>
                 <a:defRPr/>
               </a:pPr>
-              <a:t>2/8/18</a:t>
+              <a:t>2/18/18</a:t>
             </a:fld>
-            <a:endParaRPr lang="en-US" dirty="0"/>
+            <a:endParaRPr lang="en-US"/>
           </a:p>
         </p:txBody>
       </p:sp>
@@ -583,7 +583,7 @@
           <a:lstStyle/>
           <a:p>
             <a:pPr lvl="0"/>
-            <a:endParaRPr lang="en-US" noProof="0" dirty="0"/>
+            <a:endParaRPr lang="en-US" noProof="0"/>
           </a:p>
         </p:txBody>
       </p:sp>
@@ -716,7 +716,7 @@
               </a:pPr>
               <a:t>‹#›</a:t>
             </a:fld>
-            <a:endParaRPr lang="en-US" dirty="0"/>
+            <a:endParaRPr lang="en-US"/>
           </a:p>
         </p:txBody>
       </p:sp>
@@ -904,7 +904,7 @@
           <a:bodyPr/>
           <a:lstStyle/>
           <a:p>
-            <a:endParaRPr lang="en-US" dirty="0"/>
+            <a:endParaRPr lang="en-US"/>
           </a:p>
         </p:txBody>
       </p:sp>
@@ -928,7 +928,7 @@
               <a:pPr/>
               <a:t>3</a:t>
             </a:fld>
-            <a:endParaRPr lang="en-US" dirty="0"/>
+            <a:endParaRPr lang="en-US"/>
           </a:p>
         </p:txBody>
       </p:sp>
@@ -990,14 +990,14 @@
           <a:lstStyle/>
           <a:p>
             <a:r>
-              <a:rPr lang="en-US" dirty="0"/>
+              <a:rPr lang="en-US"/>
               <a:t>Switch</a:t>
             </a:r>
             <a:r>
-              <a:rPr lang="en-US" baseline="0" dirty="0"/>
+              <a:rPr lang="en-US" baseline="0"/>
               <a:t> to your demo or the workshop guidebook here</a:t>
             </a:r>
-            <a:endParaRPr lang="en-US" dirty="0"/>
+            <a:endParaRPr lang="en-US"/>
           </a:p>
         </p:txBody>
       </p:sp>
@@ -1026,7 +1026,7 @@
               </a:pPr>
               <a:t>13</a:t>
             </a:fld>
-            <a:endParaRPr lang="en-US" dirty="0"/>
+            <a:endParaRPr lang="en-US"/>
           </a:p>
         </p:txBody>
       </p:sp>
@@ -1088,14 +1088,14 @@
           <a:lstStyle/>
           <a:p>
             <a:r>
-              <a:rPr lang="en-US" dirty="0"/>
+              <a:rPr lang="en-US"/>
               <a:t>Switch</a:t>
             </a:r>
             <a:r>
-              <a:rPr lang="en-US" baseline="0" dirty="0"/>
+              <a:rPr lang="en-US" baseline="0"/>
               <a:t> to your demo or the workshop guidebook here</a:t>
             </a:r>
-            <a:endParaRPr lang="en-US" dirty="0"/>
+            <a:endParaRPr lang="en-US"/>
           </a:p>
         </p:txBody>
       </p:sp>
@@ -1124,7 +1124,7 @@
               </a:pPr>
               <a:t>14</a:t>
             </a:fld>
-            <a:endParaRPr lang="en-US" dirty="0"/>
+            <a:endParaRPr lang="en-US"/>
           </a:p>
         </p:txBody>
       </p:sp>
@@ -1186,14 +1186,14 @@
           <a:lstStyle/>
           <a:p>
             <a:r>
-              <a:rPr lang="en-US" dirty="0"/>
+              <a:rPr lang="en-US"/>
               <a:t>Switch</a:t>
             </a:r>
             <a:r>
-              <a:rPr lang="en-US" baseline="0" dirty="0"/>
+              <a:rPr lang="en-US" baseline="0"/>
               <a:t> to your demo or the workshop guidebook here</a:t>
             </a:r>
-            <a:endParaRPr lang="en-US" dirty="0"/>
+            <a:endParaRPr lang="en-US"/>
           </a:p>
         </p:txBody>
       </p:sp>
@@ -1222,7 +1222,7 @@
               </a:pPr>
               <a:t>15</a:t>
             </a:fld>
-            <a:endParaRPr lang="en-US" dirty="0"/>
+            <a:endParaRPr lang="en-US"/>
           </a:p>
         </p:txBody>
       </p:sp>
@@ -1284,14 +1284,14 @@
           <a:lstStyle/>
           <a:p>
             <a:r>
-              <a:rPr lang="en-US" dirty="0"/>
+              <a:rPr lang="en-US"/>
               <a:t>Switch</a:t>
             </a:r>
             <a:r>
-              <a:rPr lang="en-US" baseline="0" dirty="0"/>
+              <a:rPr lang="en-US" baseline="0"/>
               <a:t> to your demo or the workshop guidebook here</a:t>
             </a:r>
-            <a:endParaRPr lang="en-US" dirty="0"/>
+            <a:endParaRPr lang="en-US"/>
           </a:p>
         </p:txBody>
       </p:sp>
@@ -1320,7 +1320,7 @@
               </a:pPr>
               <a:t>16</a:t>
             </a:fld>
-            <a:endParaRPr lang="en-US" dirty="0"/>
+            <a:endParaRPr lang="en-US"/>
           </a:p>
         </p:txBody>
       </p:sp>
@@ -1382,14 +1382,14 @@
           <a:lstStyle/>
           <a:p>
             <a:r>
-              <a:rPr lang="en-US" dirty="0"/>
+              <a:rPr lang="en-US"/>
               <a:t>Switch</a:t>
             </a:r>
             <a:r>
-              <a:rPr lang="en-US" baseline="0" dirty="0"/>
+              <a:rPr lang="en-US" baseline="0"/>
               <a:t> to your demo or the workshop guidebook here</a:t>
             </a:r>
-            <a:endParaRPr lang="en-US" dirty="0"/>
+            <a:endParaRPr lang="en-US"/>
           </a:p>
         </p:txBody>
       </p:sp>
@@ -1418,7 +1418,7 @@
               </a:pPr>
               <a:t>17</a:t>
             </a:fld>
-            <a:endParaRPr lang="en-US" dirty="0"/>
+            <a:endParaRPr lang="en-US"/>
           </a:p>
         </p:txBody>
       </p:sp>
@@ -1497,11 +1497,11 @@
               <a:defRPr/>
             </a:pPr>
             <a:r>
-              <a:rPr lang="en-US" b="1" dirty="0"/>
+              <a:rPr lang="en-US" b="1"/>
               <a:t>Note: </a:t>
             </a:r>
             <a:r>
-              <a:rPr lang="en-US" dirty="0"/>
+              <a:rPr lang="en-US"/>
               <a:t>Highlight why the audience should care to sit through your session. </a:t>
             </a:r>
           </a:p>
@@ -1527,7 +1527,7 @@
               <a:pPr/>
               <a:t>18</a:t>
             </a:fld>
-            <a:endParaRPr lang="en-US" dirty="0"/>
+            <a:endParaRPr lang="en-US"/>
           </a:p>
         </p:txBody>
       </p:sp>
@@ -1944,7 +1944,7 @@
               <a:pPr/>
               <a:t>6</a:t>
             </a:fld>
-            <a:endParaRPr lang="en-US">
+            <a:endParaRPr lang="en-US" dirty="0">
               <a:solidFill>
                 <a:srgbClr val="515151"/>
               </a:solidFill>
@@ -2108,14 +2108,14 @@
           <a:lstStyle/>
           <a:p>
             <a:r>
-              <a:rPr lang="en-US" dirty="0"/>
+              <a:rPr lang="en-US"/>
               <a:t>Switch</a:t>
             </a:r>
             <a:r>
-              <a:rPr lang="en-US" baseline="0" dirty="0"/>
+              <a:rPr lang="en-US" baseline="0"/>
               <a:t> to your demo or the workshop guidebook here</a:t>
             </a:r>
-            <a:endParaRPr lang="en-US" dirty="0"/>
+            <a:endParaRPr lang="en-US"/>
           </a:p>
         </p:txBody>
       </p:sp>
@@ -2144,7 +2144,7 @@
               </a:pPr>
               <a:t>9</a:t>
             </a:fld>
-            <a:endParaRPr lang="en-US" dirty="0"/>
+            <a:endParaRPr lang="en-US"/>
           </a:p>
         </p:txBody>
       </p:sp>
@@ -2206,14 +2206,14 @@
           <a:lstStyle/>
           <a:p>
             <a:r>
-              <a:rPr lang="en-US" dirty="0"/>
+              <a:rPr lang="en-US"/>
               <a:t>Switch</a:t>
             </a:r>
             <a:r>
-              <a:rPr lang="en-US" baseline="0" dirty="0"/>
+              <a:rPr lang="en-US" baseline="0"/>
               <a:t> to your demo or the workshop guidebook here</a:t>
             </a:r>
-            <a:endParaRPr lang="en-US" dirty="0"/>
+            <a:endParaRPr lang="en-US"/>
           </a:p>
         </p:txBody>
       </p:sp>
@@ -2242,7 +2242,7 @@
               </a:pPr>
               <a:t>10</a:t>
             </a:fld>
-            <a:endParaRPr lang="en-US" dirty="0"/>
+            <a:endParaRPr lang="en-US"/>
           </a:p>
         </p:txBody>
       </p:sp>
@@ -2304,14 +2304,14 @@
           <a:lstStyle/>
           <a:p>
             <a:r>
-              <a:rPr lang="en-US" dirty="0"/>
+              <a:rPr lang="en-US"/>
               <a:t>Switch</a:t>
             </a:r>
             <a:r>
-              <a:rPr lang="en-US" baseline="0" dirty="0"/>
+              <a:rPr lang="en-US" baseline="0"/>
               <a:t> to your demo or the workshop guidebook here</a:t>
             </a:r>
-            <a:endParaRPr lang="en-US" dirty="0"/>
+            <a:endParaRPr lang="en-US"/>
           </a:p>
         </p:txBody>
       </p:sp>
@@ -2340,7 +2340,7 @@
               </a:pPr>
               <a:t>11</a:t>
             </a:fld>
-            <a:endParaRPr lang="en-US" dirty="0"/>
+            <a:endParaRPr lang="en-US"/>
           </a:p>
         </p:txBody>
       </p:sp>
@@ -2402,14 +2402,14 @@
           <a:lstStyle/>
           <a:p>
             <a:r>
-              <a:rPr lang="en-US" dirty="0"/>
+              <a:rPr lang="en-US"/>
               <a:t>Switch</a:t>
             </a:r>
             <a:r>
-              <a:rPr lang="en-US" baseline="0" dirty="0"/>
+              <a:rPr lang="en-US" baseline="0"/>
               <a:t> to your demo or the workshop guidebook here</a:t>
             </a:r>
-            <a:endParaRPr lang="en-US" dirty="0"/>
+            <a:endParaRPr lang="en-US"/>
           </a:p>
         </p:txBody>
       </p:sp>
@@ -2438,7 +2438,7 @@
               </a:pPr>
               <a:t>12</a:t>
             </a:fld>
-            <a:endParaRPr lang="en-US" dirty="0"/>
+            <a:endParaRPr lang="en-US"/>
           </a:p>
         </p:txBody>
       </p:sp>
@@ -3181,7 +3181,6 @@
               <a:rPr lang="en-US"/>
               <a:t>Click icon to add picture</a:t>
             </a:r>
-            <a:endParaRPr lang="en-US" dirty="0"/>
           </a:p>
         </p:txBody>
       </p:sp>
@@ -3411,7 +3410,7 @@
           </a:lstStyle>
           <a:p>
             <a:r>
-              <a:rPr lang="en-US" dirty="0"/>
+              <a:rPr lang="en-US"/>
               <a:t>Place chart here</a:t>
             </a:r>
           </a:p>
@@ -3629,7 +3628,7 @@
           </a:lstStyle>
           <a:p>
             <a:r>
-              <a:rPr lang="en-US" dirty="0"/>
+              <a:rPr lang="en-US"/>
               <a:t>Place chart here</a:t>
             </a:r>
           </a:p>
@@ -3665,7 +3664,7 @@
           </a:lstStyle>
           <a:p>
             <a:r>
-              <a:rPr lang="en-US" dirty="0"/>
+              <a:rPr lang="en-US"/>
               <a:t>Place chart here</a:t>
             </a:r>
           </a:p>
@@ -3849,7 +3848,7 @@
           </a:lstStyle>
           <a:p>
             <a:r>
-              <a:rPr lang="en-US" dirty="0"/>
+              <a:rPr lang="en-US"/>
               <a:t>Place chart here</a:t>
             </a:r>
           </a:p>
@@ -3885,7 +3884,7 @@
           </a:lstStyle>
           <a:p>
             <a:r>
-              <a:rPr lang="en-US" dirty="0"/>
+              <a:rPr lang="en-US"/>
               <a:t>Place chart here</a:t>
             </a:r>
           </a:p>
@@ -4000,7 +3999,7 @@
           </a:lstStyle>
           <a:p>
             <a:r>
-              <a:rPr lang="en-US" dirty="0"/>
+              <a:rPr lang="en-US"/>
               <a:t>Place chart here</a:t>
             </a:r>
           </a:p>
@@ -4036,7 +4035,7 @@
           </a:lstStyle>
           <a:p>
             <a:r>
-              <a:rPr lang="en-US" dirty="0"/>
+              <a:rPr lang="en-US"/>
               <a:t>Place chart here</a:t>
             </a:r>
           </a:p>
@@ -4177,7 +4176,6 @@
               <a:rPr lang="en-US"/>
               <a:t>Click icon to add table</a:t>
             </a:r>
-            <a:endParaRPr lang="en-US" dirty="0"/>
           </a:p>
         </p:txBody>
       </p:sp>
@@ -4222,7 +4220,7 @@
           <a:lstStyle/>
           <a:p>
             <a:pPr algn="ctr"/>
-            <a:endParaRPr lang="en-US" dirty="0">
+            <a:endParaRPr lang="en-US">
               <a:solidFill>
                 <a:srgbClr val="FFFFFF"/>
               </a:solidFill>
@@ -4298,7 +4296,7 @@
           <a:lstStyle/>
           <a:p>
             <a:pPr algn="ctr"/>
-            <a:endParaRPr lang="en-US" dirty="0">
+            <a:endParaRPr lang="en-US">
               <a:solidFill>
                 <a:srgbClr val="FFFFFF"/>
               </a:solidFill>
@@ -4537,7 +4535,7 @@
           <a:lstStyle/>
           <a:p>
             <a:pPr algn="ctr"/>
-            <a:endParaRPr lang="en-US" dirty="0">
+            <a:endParaRPr lang="en-US">
               <a:solidFill>
                 <a:srgbClr val="FFFFFF"/>
               </a:solidFill>
@@ -4609,7 +4607,7 @@
           <a:lstStyle/>
           <a:p>
             <a:pPr algn="ctr"/>
-            <a:endParaRPr lang="en-US" dirty="0">
+            <a:endParaRPr lang="en-US">
               <a:solidFill>
                 <a:srgbClr val="FFFFFF"/>
               </a:solidFill>
@@ -4732,7 +4730,7 @@
           <a:lstStyle/>
           <a:p>
             <a:pPr lvl="0" algn="ctr"/>
-            <a:endParaRPr lang="en-US" dirty="0"/>
+            <a:endParaRPr lang="en-US"/>
           </a:p>
         </p:txBody>
       </p:sp>
@@ -4760,7 +4758,7 @@
           <a:p>
             <a:pPr algn="ctr"/>
             <a:r>
-              <a:rPr lang="en-US" dirty="0">
+              <a:rPr lang="en-US">
                 <a:solidFill>
                   <a:srgbClr val="FFFFFF"/>
                 </a:solidFill>
@@ -4768,14 +4766,14 @@
               <a:t>Do</a:t>
             </a:r>
             <a:r>
-              <a:rPr lang="en-US" baseline="0" dirty="0">
+              <a:rPr lang="en-US" baseline="0">
                 <a:solidFill>
                   <a:srgbClr val="FFFFFF"/>
                 </a:solidFill>
               </a:rPr>
               <a:t> not use this layout. For visual reference in layout masters only.</a:t>
             </a:r>
-            <a:endParaRPr lang="en-US" dirty="0">
+            <a:endParaRPr lang="en-US">
               <a:solidFill>
                 <a:srgbClr val="FFFFFF"/>
               </a:solidFill>
@@ -4829,7 +4827,7 @@
           <a:lstStyle/>
           <a:p>
             <a:pPr lvl="0" algn="ctr"/>
-            <a:endParaRPr lang="en-US" dirty="0"/>
+            <a:endParaRPr lang="en-US"/>
           </a:p>
         </p:txBody>
       </p:sp>
@@ -4857,7 +4855,7 @@
           <a:p>
             <a:pPr algn="ctr"/>
             <a:r>
-              <a:rPr lang="en-US" dirty="0">
+              <a:rPr lang="en-US">
                 <a:solidFill>
                   <a:srgbClr val="FFFFFF"/>
                 </a:solidFill>
@@ -4865,14 +4863,14 @@
               <a:t>Do</a:t>
             </a:r>
             <a:r>
-              <a:rPr lang="en-US" baseline="0" dirty="0">
+              <a:rPr lang="en-US" baseline="0">
                 <a:solidFill>
                   <a:srgbClr val="FFFFFF"/>
                 </a:solidFill>
               </a:rPr>
               <a:t> not use this layout. For visual reference in layout masters only.</a:t>
             </a:r>
-            <a:endParaRPr lang="en-US" dirty="0">
+            <a:endParaRPr lang="en-US">
               <a:solidFill>
                 <a:srgbClr val="FFFFFF"/>
               </a:solidFill>
@@ -5753,7 +5751,7 @@
           <a:lstStyle/>
           <a:p>
             <a:pPr algn="ctr"/>
-            <a:endParaRPr lang="en-US" dirty="0">
+            <a:endParaRPr lang="en-US">
               <a:solidFill>
                 <a:srgbClr val="FFFFFF"/>
               </a:solidFill>
@@ -7125,7 +7123,7 @@
               <a:defRPr/>
             </a:pPr>
             <a:r>
-              <a:rPr lang="en-US" sz="800" kern="1200" dirty="0">
+              <a:rPr lang="en-US" sz="800" kern="1200">
                 <a:solidFill>
                   <a:srgbClr val="646464"/>
                 </a:solidFill>
@@ -7136,7 +7134,7 @@
               <a:t>© 2018 ServiceNow All Rights Reserved</a:t>
             </a:r>
             <a:r>
-              <a:rPr lang="en-US" sz="800" dirty="0">
+              <a:rPr lang="en-US" sz="800">
                 <a:solidFill>
                   <a:srgbClr val="CBCDCD"/>
                 </a:solidFill>
@@ -7144,7 +7142,7 @@
               </a:rPr>
               <a:t> </a:t>
             </a:r>
-            <a:endParaRPr lang="en-US" sz="800" kern="1200" dirty="0">
+            <a:endParaRPr lang="en-US" sz="800" kern="1200">
               <a:solidFill>
                 <a:srgbClr val="CBCDCD"/>
               </a:solidFill>
@@ -7160,7 +7158,7 @@
           <p:cNvPr id="5" name="Picture 4">
             <a:extLst>
               <a:ext uri="{FF2B5EF4-FFF2-40B4-BE49-F238E27FC236}">
-                <a16:creationId xmlns="" xmlns:a16="http://schemas.microsoft.com/office/drawing/2014/main" id="{881A7365-045F-4881-90F3-BEA2A8B2DBFB}"/>
+                <a16:creationId xmlns:a16="http://schemas.microsoft.com/office/drawing/2014/main" xmlns="" id="{881A7365-045F-4881-90F3-BEA2A8B2DBFB}"/>
               </a:ext>
             </a:extLst>
           </p:cNvPr>
@@ -7832,7 +7830,7 @@
               </a:tabLst>
             </a:pPr>
             <a:r>
-              <a:rPr lang="en-US" sz="800" kern="1200" dirty="0">
+              <a:rPr lang="en-US" sz="800" kern="1200">
                 <a:solidFill>
                   <a:srgbClr val="646464"/>
                 </a:solidFill>
@@ -7971,7 +7969,7 @@
               <a:pPr algn="l"/>
               <a:t>‹#›</a:t>
             </a:fld>
-            <a:endParaRPr lang="en-US" sz="800" dirty="0">
+            <a:endParaRPr lang="en-US" sz="800">
               <a:solidFill>
                 <a:srgbClr val="646464"/>
               </a:solidFill>
@@ -11061,7 +11059,7 @@
               </a:tabLst>
             </a:pPr>
             <a:r>
-              <a:rPr lang="en-US" sz="800" kern="1200" dirty="0">
+              <a:rPr lang="en-US" sz="800" kern="1200">
                 <a:solidFill>
                   <a:srgbClr val="646464"/>
                 </a:solidFill>
@@ -11223,7 +11221,7 @@
           <a:lstStyle/>
           <a:p>
             <a:pPr algn="ctr"/>
-            <a:endParaRPr lang="en-US" dirty="0">
+            <a:endParaRPr lang="en-US">
               <a:solidFill>
                 <a:srgbClr val="FFFFFF"/>
               </a:solidFill>
@@ -11373,7 +11371,7 @@
               </a:pPr>
               <a:t>‹#›</a:t>
             </a:fld>
-            <a:endParaRPr sz="1100" dirty="0">
+            <a:endParaRPr sz="1100">
               <a:solidFill>
                 <a:srgbClr val="CBCDCD"/>
               </a:solidFill>
@@ -11423,7 +11421,7 @@
               <a:defRPr/>
             </a:pPr>
             <a:r>
-              <a:rPr kumimoji="0" lang="en-US" sz="1050" b="0" i="0" u="none" strike="noStrike" kern="1200" cap="none" spc="0" normalizeH="0" baseline="0" noProof="0" dirty="0">
+              <a:rPr kumimoji="0" lang="en-US" sz="1050" b="0" i="0" u="none" strike="noStrike" kern="1200" cap="none" spc="0" normalizeH="0" baseline="0" noProof="0">
                 <a:ln>
                   <a:noFill/>
                 </a:ln>
@@ -11461,7 +11459,7 @@
               <a:defRPr/>
             </a:pPr>
             <a:r>
-              <a:rPr kumimoji="0" lang="en-US" sz="800" b="0" i="0" u="none" strike="noStrike" kern="1200" cap="none" spc="0" normalizeH="0" baseline="0" noProof="0" dirty="0">
+              <a:rPr kumimoji="0" lang="en-US" sz="800" b="0" i="0" u="none" strike="noStrike" kern="1200" cap="none" spc="0" normalizeH="0" baseline="0" noProof="0">
                 <a:ln>
                   <a:noFill/>
                 </a:ln>
@@ -11478,7 +11476,7 @@
               <a:t>© 2018 ServiceNow All Rights Reserved</a:t>
             </a:r>
             <a:r>
-              <a:rPr kumimoji="0" lang="en-US" sz="800" b="0" i="0" u="none" strike="noStrike" kern="1200" cap="none" spc="0" normalizeH="0" baseline="0" noProof="0" dirty="0">
+              <a:rPr kumimoji="0" lang="en-US" sz="800" b="0" i="0" u="none" strike="noStrike" kern="1200" cap="none" spc="0" normalizeH="0" baseline="0" noProof="0">
                 <a:ln>
                   <a:noFill/>
                 </a:ln>
@@ -11493,7 +11491,7 @@
               </a:rPr>
               <a:t> </a:t>
             </a:r>
-            <a:endParaRPr kumimoji="0" lang="en-US" sz="800" b="0" i="0" u="none" strike="noStrike" kern="1200" cap="none" spc="0" normalizeH="0" baseline="0" noProof="0" dirty="0">
+            <a:endParaRPr kumimoji="0" lang="en-US" sz="800" b="0" i="0" u="none" strike="noStrike" kern="1200" cap="none" spc="0" normalizeH="0" baseline="0" noProof="0">
               <a:ln>
                 <a:noFill/>
               </a:ln>
@@ -11515,7 +11513,7 @@
           <p:cNvPr id="5" name="Picture 4">
             <a:extLst>
               <a:ext uri="{FF2B5EF4-FFF2-40B4-BE49-F238E27FC236}">
-                <a16:creationId xmlns="" xmlns:a16="http://schemas.microsoft.com/office/drawing/2014/main" id="{479C2AC3-9D87-4AB5-B543-70C92A68099B}"/>
+                <a16:creationId xmlns:a16="http://schemas.microsoft.com/office/drawing/2014/main" xmlns="" id="{479C2AC3-9D87-4AB5-B543-70C92A68099B}"/>
               </a:ext>
             </a:extLst>
           </p:cNvPr>
@@ -11898,15 +11896,7 @@
           <a:p>
             <a:r>
               <a:rPr lang="en-US" b="1" dirty="0"/>
-              <a:t>CCW0604 – Getting Started with </a:t>
-            </a:r>
-            <a:r>
-              <a:rPr lang="en-US" b="1" dirty="0" err="1"/>
-              <a:t>ServiceNow</a:t>
-            </a:r>
-            <a:r>
-              <a:rPr lang="en-US" b="1" dirty="0"/>
-              <a:t> Automated Testing Framework</a:t>
+              <a:t>CCW0604 – Getting Started with ServiceNow Automated Testing Framework</a:t>
             </a:r>
             <a:br>
               <a:rPr lang="en-US" b="1" dirty="0"/>
@@ -11941,8 +11931,12 @@
               <a:defRPr/>
             </a:pPr>
             <a:r>
-              <a:rPr lang="en-US" sz="2000" dirty="0" smtClean="0"/>
-              <a:t>Shrity Verma</a:t>
+              <a:rPr lang="en-US" sz="2000" dirty="0" err="1" smtClean="0"/>
+              <a:t>Shrity</a:t>
+            </a:r>
+            <a:r>
+              <a:rPr lang="en-US" sz="2000" smtClean="0"/>
+              <a:t> Verma</a:t>
             </a:r>
           </a:p>
           <a:p>
@@ -11957,10 +11951,10 @@
               <a:defRPr/>
             </a:pPr>
             <a:r>
-              <a:rPr lang="en-US" sz="1400" dirty="0" smtClean="0"/>
+              <a:rPr lang="en-US" sz="1400" smtClean="0"/>
               <a:t>Sr. Product Manager</a:t>
             </a:r>
-            <a:endParaRPr lang="en-US" sz="1400" dirty="0"/>
+            <a:endParaRPr lang="en-US" sz="1400"/>
           </a:p>
           <a:p>
             <a:pPr fontAlgn="auto">
@@ -11974,10 +11968,10 @@
               <a:defRPr/>
             </a:pPr>
             <a:r>
-              <a:rPr lang="en-US" sz="1400" dirty="0" smtClean="0"/>
+              <a:rPr lang="en-US" sz="1400" smtClean="0"/>
               <a:t>ServiceNow</a:t>
             </a:r>
-            <a:endParaRPr lang="en-US" sz="1400" dirty="0"/>
+            <a:endParaRPr lang="en-US" sz="1400"/>
           </a:p>
         </p:txBody>
       </p:sp>
@@ -12007,14 +12001,10 @@
               <a:defRPr/>
             </a:pPr>
             <a:r>
-              <a:rPr lang="en-US" sz="2000" dirty="0" smtClean="0"/>
-              <a:t>Joel </a:t>
-            </a:r>
-            <a:r>
-              <a:rPr lang="en-US" sz="2000" dirty="0" smtClean="0"/>
-              <a:t>Fischer</a:t>
-            </a:r>
-            <a:endParaRPr lang="en-US" sz="2000" dirty="0"/>
+              <a:rPr lang="en-US" sz="2000" smtClean="0"/>
+              <a:t>Joel Fischer</a:t>
+            </a:r>
+            <a:endParaRPr lang="en-US" sz="2000"/>
           </a:p>
           <a:p>
             <a:pPr fontAlgn="auto">
@@ -12028,10 +12018,10 @@
               <a:defRPr/>
             </a:pPr>
             <a:r>
-              <a:rPr lang="en-US" sz="1400" dirty="0" smtClean="0"/>
+              <a:rPr lang="en-US" sz="1400" smtClean="0"/>
               <a:t>Lead Developer</a:t>
             </a:r>
-            <a:endParaRPr lang="en-US" sz="1400" dirty="0"/>
+            <a:endParaRPr lang="en-US" sz="1400"/>
           </a:p>
           <a:p>
             <a:pPr fontAlgn="auto">
@@ -12045,10 +12035,10 @@
               <a:defRPr/>
             </a:pPr>
             <a:r>
-              <a:rPr lang="en-US" sz="1400" dirty="0" smtClean="0"/>
+              <a:rPr lang="en-US" sz="1400" smtClean="0"/>
               <a:t>ServiceNow</a:t>
             </a:r>
-            <a:endParaRPr lang="en-US" sz="1400" dirty="0"/>
+            <a:endParaRPr lang="en-US" sz="1400"/>
           </a:p>
         </p:txBody>
       </p:sp>
@@ -12100,7 +12090,15 @@
           <a:p>
             <a:r>
               <a:rPr lang="en-US" dirty="0" smtClean="0"/>
-              <a:t>Lab 2: How to analyze failed test</a:t>
+              <a:t>Lab 2: How to analyze </a:t>
+            </a:r>
+            <a:r>
+              <a:rPr lang="en-US" dirty="0" smtClean="0"/>
+              <a:t>a failed </a:t>
+            </a:r>
+            <a:r>
+              <a:rPr lang="en-US" dirty="0" smtClean="0"/>
+              <a:t>test</a:t>
             </a:r>
             <a:endParaRPr lang="en-US" dirty="0"/>
           </a:p>
@@ -12130,40 +12128,38 @@
           <a:p>
             <a:pPr lvl="1"/>
             <a:r>
+              <a:rPr lang="en-US" dirty="0"/>
+              <a:t>Create a test case to assert the user Abel </a:t>
+            </a:r>
+            <a:r>
+              <a:rPr lang="en-US" dirty="0" err="1"/>
+              <a:t>Tuter</a:t>
+            </a:r>
+            <a:r>
+              <a:rPr lang="en-US" dirty="0"/>
+              <a:t> can open the Media Library </a:t>
+            </a:r>
+            <a:r>
               <a:rPr lang="en-US" dirty="0" smtClean="0"/>
-              <a:t>Create </a:t>
-            </a:r>
-            <a:r>
-              <a:rPr lang="en-US" dirty="0"/>
+              <a:t>Form</a:t>
+            </a:r>
+            <a:endParaRPr lang="en-US" dirty="0" smtClean="0"/>
+          </a:p>
+          <a:p>
+            <a:pPr lvl="1"/>
+            <a:r>
+              <a:rPr lang="en-US" dirty="0" smtClean="0"/>
+              <a:t>Add </a:t>
+            </a:r>
+            <a:r>
+              <a:rPr lang="en-US" dirty="0" smtClean="0"/>
               <a:t>a </a:t>
             </a:r>
             <a:r>
               <a:rPr lang="en-US" dirty="0" smtClean="0"/>
-              <a:t>test case </a:t>
-            </a:r>
-            <a:r>
-              <a:rPr lang="en-US" dirty="0"/>
-              <a:t>to </a:t>
-            </a:r>
-            <a:r>
-              <a:rPr lang="en-US" dirty="0" smtClean="0"/>
-              <a:t>test opening of Media Library Form by user able </a:t>
-            </a:r>
-            <a:r>
-              <a:rPr lang="en-US" dirty="0" err="1" smtClean="0"/>
-              <a:t>tuter</a:t>
-            </a:r>
-            <a:r>
-              <a:rPr lang="en-US" dirty="0" smtClean="0"/>
-              <a:t> works</a:t>
-            </a:r>
-          </a:p>
-          <a:p>
-            <a:pPr lvl="1"/>
-            <a:r>
-              <a:rPr lang="en-US" dirty="0" smtClean="0"/>
-              <a:t>Add a failure step</a:t>
-            </a:r>
+              <a:t>step that will fail</a:t>
+            </a:r>
+            <a:endParaRPr lang="en-US" dirty="0" smtClean="0"/>
           </a:p>
           <a:p>
             <a:pPr lvl="1"/>
@@ -12189,8 +12185,21 @@
             <a:pPr lvl="1"/>
             <a:r>
               <a:rPr lang="en-US" dirty="0" smtClean="0"/>
-              <a:t>Go to test result to view the failure</a:t>
-            </a:r>
+              <a:t>Go to </a:t>
+            </a:r>
+            <a:r>
+              <a:rPr lang="en-US" dirty="0" smtClean="0"/>
+              <a:t>the test </a:t>
+            </a:r>
+            <a:r>
+              <a:rPr lang="en-US" dirty="0" smtClean="0"/>
+              <a:t>result to view </a:t>
+            </a:r>
+            <a:r>
+              <a:rPr lang="en-US" dirty="0" smtClean="0"/>
+              <a:t>details of the test run and why it failed</a:t>
+            </a:r>
+            <a:endParaRPr lang="en-US" dirty="0" smtClean="0"/>
           </a:p>
         </p:txBody>
       </p:sp>
@@ -12244,7 +12253,15 @@
           <a:p>
             <a:r>
               <a:rPr lang="en-US" dirty="0" smtClean="0"/>
-              <a:t>Lab 3: How to test a service catalog</a:t>
+              <a:t>Lab 3: How to </a:t>
+            </a:r>
+            <a:r>
+              <a:rPr lang="en-US" dirty="0" smtClean="0"/>
+              <a:t>test </a:t>
+            </a:r>
+            <a:r>
+              <a:rPr lang="en-US" dirty="0" smtClean="0"/>
+              <a:t>service catalog</a:t>
             </a:r>
             <a:endParaRPr lang="en-US" dirty="0"/>
           </a:p>
@@ -12278,13 +12295,26 @@
               <a:t>Create a </a:t>
             </a:r>
             <a:r>
-              <a:rPr lang="en-US" dirty="0" err="1" smtClean="0"/>
-              <a:t>testcase</a:t>
-            </a:r>
-            <a:r>
               <a:rPr lang="en-US" dirty="0" smtClean="0"/>
-              <a:t> which search and order catalog item from media library</a:t>
-            </a:r>
+              <a:t>test case that searches </a:t>
+            </a:r>
+            <a:r>
+              <a:rPr lang="en-US" dirty="0" smtClean="0"/>
+              <a:t>and </a:t>
+            </a:r>
+            <a:r>
+              <a:rPr lang="en-US" dirty="0" smtClean="0"/>
+              <a:t>orders a </a:t>
+            </a:r>
+            <a:r>
+              <a:rPr lang="en-US" dirty="0" smtClean="0"/>
+              <a:t>catalog item from </a:t>
+            </a:r>
+            <a:r>
+              <a:rPr lang="en-US" dirty="0" smtClean="0"/>
+              <a:t>Media Library</a:t>
+            </a:r>
+            <a:endParaRPr lang="en-US" dirty="0" smtClean="0"/>
           </a:p>
           <a:p>
             <a:pPr lvl="1"/>
@@ -12369,7 +12399,15 @@
             </a:r>
             <a:r>
               <a:rPr lang="en-US" dirty="0"/>
-              <a:t>test Left Navigator</a:t>
+              <a:t>test </a:t>
+            </a:r>
+            <a:r>
+              <a:rPr lang="en-US" dirty="0" smtClean="0"/>
+              <a:t>the Left </a:t>
+            </a:r>
+            <a:r>
+              <a:rPr lang="en-US" dirty="0"/>
+              <a:t>Navigator</a:t>
             </a:r>
           </a:p>
         </p:txBody>
@@ -12399,15 +12437,7 @@
             <a:pPr lvl="1"/>
             <a:r>
               <a:rPr lang="en-US" dirty="0" smtClean="0"/>
-              <a:t>Create a </a:t>
-            </a:r>
-            <a:r>
-              <a:rPr lang="en-US" dirty="0" err="1" smtClean="0"/>
-              <a:t>testcase</a:t>
-            </a:r>
-            <a:r>
-              <a:rPr lang="en-US" dirty="0" smtClean="0"/>
-              <a:t> which check for Menu items</a:t>
+              <a:t>Create a test case which check for Menu items</a:t>
             </a:r>
           </a:p>
           <a:p>
@@ -12421,7 +12451,11 @@
             <a:pPr lvl="1"/>
             <a:r>
               <a:rPr lang="en-US" dirty="0" smtClean="0"/>
-              <a:t>Add a step to test existence of new module</a:t>
+              <a:t>Add </a:t>
+            </a:r>
+            <a:r>
+              <a:rPr lang="en-US" dirty="0" smtClean="0"/>
+              <a:t>a step to test existence of new module</a:t>
             </a:r>
           </a:p>
           <a:p>
@@ -12538,7 +12572,27 @@
             <a:pPr lvl="1"/>
             <a:r>
               <a:rPr lang="en-US" dirty="0" smtClean="0"/>
-              <a:t>Enable a client script that has java script error</a:t>
+              <a:t>Create a </a:t>
+            </a:r>
+            <a:r>
+              <a:rPr lang="en-US" dirty="0" smtClean="0"/>
+              <a:t>client script </a:t>
+            </a:r>
+            <a:r>
+              <a:rPr lang="en-US" dirty="0" smtClean="0"/>
+              <a:t>on the that </a:t>
+            </a:r>
+            <a:r>
+              <a:rPr lang="en-US" dirty="0" smtClean="0"/>
+              <a:t>has </a:t>
+            </a:r>
+            <a:r>
+              <a:rPr lang="en-US" dirty="0" smtClean="0"/>
+              <a:t>JavaScript </a:t>
+            </a:r>
+            <a:r>
+              <a:rPr lang="en-US" dirty="0" smtClean="0"/>
+              <a:t>error</a:t>
             </a:r>
           </a:p>
           <a:p>
@@ -12634,18 +12688,18 @@
           <a:lstStyle/>
           <a:p>
             <a:r>
-              <a:rPr lang="en-US" dirty="0" smtClean="0"/>
+              <a:rPr lang="en-US" smtClean="0"/>
               <a:t>Lab 5: </a:t>
             </a:r>
             <a:r>
-              <a:rPr lang="en-US" dirty="0"/>
+              <a:rPr lang="en-US"/>
               <a:t>Test a </a:t>
             </a:r>
             <a:r>
-              <a:rPr lang="en-US" dirty="0" smtClean="0"/>
+              <a:rPr lang="en-US" smtClean="0"/>
               <a:t>workflow</a:t>
             </a:r>
-            <a:endParaRPr lang="en-US" dirty="0"/>
+            <a:endParaRPr lang="en-US"/>
           </a:p>
         </p:txBody>
       </p:sp>
@@ -12665,21 +12719,21 @@
           <a:lstStyle/>
           <a:p>
             <a:r>
-              <a:rPr lang="en-US" dirty="0" smtClean="0"/>
+              <a:rPr lang="en-US" smtClean="0"/>
               <a:t>Exercise:</a:t>
             </a:r>
-            <a:endParaRPr lang="en-US" dirty="0"/>
+            <a:endParaRPr lang="en-US"/>
           </a:p>
           <a:p>
             <a:pPr lvl="1"/>
             <a:r>
-              <a:rPr lang="en-US" dirty="0" smtClean="0"/>
+              <a:rPr lang="en-US" smtClean="0"/>
               <a:t>Create test to test pre existing workflow</a:t>
             </a:r>
           </a:p>
           <a:p>
             <a:r>
-              <a:rPr lang="en-US" dirty="0" smtClean="0"/>
+              <a:rPr lang="en-US" smtClean="0"/>
               <a:t>Result:</a:t>
             </a:r>
           </a:p>
@@ -12734,10 +12788,10 @@
           <a:lstStyle/>
           <a:p>
             <a:r>
-              <a:rPr lang="en-US" dirty="0" smtClean="0"/>
+              <a:rPr lang="en-US" smtClean="0"/>
               <a:t>Lab 5: Create new test step</a:t>
             </a:r>
-            <a:endParaRPr lang="en-US" dirty="0"/>
+            <a:endParaRPr lang="en-US"/>
           </a:p>
         </p:txBody>
       </p:sp>
@@ -12757,35 +12811,35 @@
           <a:lstStyle/>
           <a:p>
             <a:r>
-              <a:rPr lang="en-US" dirty="0" smtClean="0"/>
+              <a:rPr lang="en-US" smtClean="0"/>
               <a:t>Exercise:</a:t>
             </a:r>
-            <a:endParaRPr lang="en-US" dirty="0"/>
+            <a:endParaRPr lang="en-US"/>
           </a:p>
           <a:p>
             <a:pPr lvl="1"/>
             <a:r>
-              <a:rPr lang="en-US" dirty="0" smtClean="0"/>
+              <a:rPr lang="en-US" smtClean="0"/>
               <a:t>Add a new test step which does x</a:t>
             </a:r>
           </a:p>
           <a:p>
             <a:pPr lvl="1"/>
             <a:r>
-              <a:rPr lang="en-US" dirty="0" smtClean="0"/>
+              <a:rPr lang="en-US" smtClean="0"/>
               <a:t>Create test using new test step</a:t>
             </a:r>
           </a:p>
           <a:p>
             <a:r>
-              <a:rPr lang="en-US" dirty="0" smtClean="0"/>
+              <a:rPr lang="en-US" smtClean="0"/>
               <a:t>Result:</a:t>
             </a:r>
           </a:p>
           <a:p>
             <a:pPr lvl="1"/>
             <a:r>
-              <a:rPr lang="en-US" dirty="0" smtClean="0"/>
+              <a:rPr lang="en-US" smtClean="0"/>
               <a:t>The test should pass with warning</a:t>
             </a:r>
           </a:p>
@@ -12840,11 +12894,11 @@
           <a:lstStyle/>
           <a:p>
             <a:r>
-              <a:rPr lang="en-US" dirty="0" smtClean="0"/>
+              <a:rPr lang="en-US" smtClean="0"/>
               <a:t>Lab 5: </a:t>
             </a:r>
             <a:r>
-              <a:rPr lang="en-US" dirty="0"/>
+              <a:rPr lang="en-US"/>
               <a:t>Create test using scripts</a:t>
             </a:r>
           </a:p>
@@ -12866,28 +12920,28 @@
           <a:lstStyle/>
           <a:p>
             <a:r>
-              <a:rPr lang="en-US" dirty="0" smtClean="0"/>
+              <a:rPr lang="en-US" smtClean="0"/>
               <a:t>Exercise:</a:t>
             </a:r>
-            <a:endParaRPr lang="en-US" dirty="0"/>
+            <a:endParaRPr lang="en-US"/>
           </a:p>
           <a:p>
             <a:pPr lvl="1"/>
             <a:r>
-              <a:rPr lang="en-US" dirty="0" smtClean="0"/>
+              <a:rPr lang="en-US" smtClean="0"/>
               <a:t>Add a server side test step testing </a:t>
             </a:r>
           </a:p>
           <a:p>
             <a:r>
-              <a:rPr lang="en-US" dirty="0" smtClean="0"/>
+              <a:rPr lang="en-US" smtClean="0"/>
               <a:t>Result:</a:t>
             </a:r>
           </a:p>
           <a:p>
             <a:pPr lvl="1"/>
             <a:r>
-              <a:rPr lang="en-US" dirty="0" smtClean="0"/>
+              <a:rPr lang="en-US" smtClean="0"/>
               <a:t>The test should pass with warning</a:t>
             </a:r>
           </a:p>
@@ -12942,11 +12996,11 @@
           <a:lstStyle/>
           <a:p>
             <a:r>
-              <a:rPr lang="en-US" dirty="0" smtClean="0"/>
+              <a:rPr lang="en-US" smtClean="0"/>
               <a:t>Lab 5: </a:t>
             </a:r>
             <a:r>
-              <a:rPr lang="en-US" dirty="0"/>
+              <a:rPr lang="en-US"/>
               <a:t>Create test using scripts</a:t>
             </a:r>
           </a:p>
@@ -12968,35 +13022,35 @@
           <a:lstStyle/>
           <a:p>
             <a:r>
-              <a:rPr lang="en-US" dirty="0" smtClean="0"/>
+              <a:rPr lang="en-US" smtClean="0"/>
               <a:t>Exercise:</a:t>
             </a:r>
-            <a:endParaRPr lang="en-US" dirty="0"/>
+            <a:endParaRPr lang="en-US"/>
           </a:p>
           <a:p>
             <a:pPr lvl="1"/>
             <a:r>
-              <a:rPr lang="en-US" dirty="0" smtClean="0"/>
+              <a:rPr lang="en-US" smtClean="0"/>
               <a:t>Add all the test in new test suite</a:t>
             </a:r>
           </a:p>
           <a:p>
             <a:pPr lvl="1"/>
             <a:r>
-              <a:rPr lang="en-US" dirty="0" smtClean="0"/>
+              <a:rPr lang="en-US" smtClean="0"/>
               <a:t>Schedule the test suite </a:t>
             </a:r>
           </a:p>
           <a:p>
             <a:r>
-              <a:rPr lang="en-US" dirty="0" smtClean="0"/>
+              <a:rPr lang="en-US" smtClean="0"/>
               <a:t>Result:</a:t>
             </a:r>
           </a:p>
           <a:p>
             <a:pPr lvl="1"/>
             <a:r>
-              <a:rPr lang="en-US" dirty="0" smtClean="0"/>
+              <a:rPr lang="en-US" smtClean="0"/>
               <a:t>The test should pass with warning</a:t>
             </a:r>
           </a:p>
@@ -13051,10 +13105,10 @@
           <a:lstStyle/>
           <a:p>
             <a:r>
-              <a:rPr lang="en-US" dirty="0"/>
+              <a:rPr lang="en-US"/>
               <a:t>Top Takeaways</a:t>
             </a:r>
-            <a:endParaRPr lang="en-US" sz="3200" dirty="0"/>
+            <a:endParaRPr lang="en-US" sz="3200"/>
           </a:p>
         </p:txBody>
       </p:sp>
@@ -13063,7 +13117,7 @@
           <p:cNvPr id="7" name="Group 6">
             <a:extLst>
               <a:ext uri="{FF2B5EF4-FFF2-40B4-BE49-F238E27FC236}">
-                <a16:creationId xmlns="" xmlns:a16="http://schemas.microsoft.com/office/drawing/2014/main" id="{455393AD-C149-4875-B7FF-63FF8FA04944}"/>
+                <a16:creationId xmlns:a16="http://schemas.microsoft.com/office/drawing/2014/main" xmlns="" id="{455393AD-C149-4875-B7FF-63FF8FA04944}"/>
               </a:ext>
             </a:extLst>
           </p:cNvPr>
@@ -13083,7 +13137,7 @@
             <p:cNvPr id="8" name="Rectangle 7">
               <a:extLst>
                 <a:ext uri="{FF2B5EF4-FFF2-40B4-BE49-F238E27FC236}">
-                  <a16:creationId xmlns="" xmlns:a16="http://schemas.microsoft.com/office/drawing/2014/main" id="{98E173D1-AE2E-4967-9456-EE0D53DCAF03}"/>
+                  <a16:creationId xmlns:a16="http://schemas.microsoft.com/office/drawing/2014/main" xmlns="" id="{98E173D1-AE2E-4967-9456-EE0D53DCAF03}"/>
                 </a:ext>
               </a:extLst>
             </p:cNvPr>
@@ -13140,7 +13194,7 @@
             <p:cNvPr id="9" name="TextBox 8">
               <a:extLst>
                 <a:ext uri="{FF2B5EF4-FFF2-40B4-BE49-F238E27FC236}">
-                  <a16:creationId xmlns="" xmlns:a16="http://schemas.microsoft.com/office/drawing/2014/main" id="{7CF5CE77-141A-4D8F-9E5A-0EE4BA1277B7}"/>
+                  <a16:creationId xmlns:a16="http://schemas.microsoft.com/office/drawing/2014/main" xmlns="" id="{7CF5CE77-141A-4D8F-9E5A-0EE4BA1277B7}"/>
                 </a:ext>
               </a:extLst>
             </p:cNvPr>
@@ -13175,7 +13229,7 @@
                 </a:buClr>
               </a:pPr>
               <a:r>
-                <a:rPr lang="en-US" b="1" spc="200" dirty="0" smtClean="0">
+                <a:rPr lang="en-US" b="1" spc="200" smtClean="0">
                   <a:solidFill>
                     <a:schemeClr val="bg2"/>
                   </a:solidFill>
@@ -13186,7 +13240,7 @@
                 <a:t>ATF TESTS CAN BE </a:t>
               </a:r>
               <a:r>
-                <a:rPr lang="en-US" b="1" spc="200" dirty="0" smtClean="0">
+                <a:rPr lang="en-US" b="1" spc="200" smtClean="0">
                   <a:solidFill>
                     <a:srgbClr val="FF0000"/>
                   </a:solidFill>
@@ -13196,7 +13250,7 @@
                 </a:rPr>
                 <a:t>SCHEDULED</a:t>
               </a:r>
-              <a:endParaRPr lang="en-US" b="1" spc="200" dirty="0">
+              <a:endParaRPr lang="en-US" b="1" spc="200">
                 <a:solidFill>
                   <a:schemeClr val="bg2"/>
                 </a:solidFill>
@@ -13212,7 +13266,7 @@
             <p:cNvPr id="10" name="Rectangle 9">
               <a:extLst>
                 <a:ext uri="{FF2B5EF4-FFF2-40B4-BE49-F238E27FC236}">
-                  <a16:creationId xmlns="" xmlns:a16="http://schemas.microsoft.com/office/drawing/2014/main" id="{4F5A631F-6121-4440-A9B1-004AC0159EF8}"/>
+                  <a16:creationId xmlns:a16="http://schemas.microsoft.com/office/drawing/2014/main" xmlns="" id="{4F5A631F-6121-4440-A9B1-004AC0159EF8}"/>
                 </a:ext>
               </a:extLst>
             </p:cNvPr>
@@ -13267,7 +13321,7 @@
             <p:cNvPr id="11" name="Oval 10">
               <a:extLst>
                 <a:ext uri="{FF2B5EF4-FFF2-40B4-BE49-F238E27FC236}">
-                  <a16:creationId xmlns="" xmlns:a16="http://schemas.microsoft.com/office/drawing/2014/main" id="{83DA1A7E-F626-4A0E-B774-95FEC47281FC}"/>
+                  <a16:creationId xmlns:a16="http://schemas.microsoft.com/office/drawing/2014/main" xmlns="" id="{83DA1A7E-F626-4A0E-B774-95FEC47281FC}"/>
                 </a:ext>
               </a:extLst>
             </p:cNvPr>
@@ -13310,7 +13364,7 @@
             <a:p>
               <a:pPr algn="ctr"/>
               <a:r>
-                <a:rPr lang="en-US" sz="4800" dirty="0">
+                <a:rPr lang="en-US" sz="4800">
                   <a:solidFill>
                     <a:srgbClr val="FFFFFF"/>
                   </a:solidFill>
@@ -13328,7 +13382,7 @@
             <p:cNvPr id="12" name="Group 11">
               <a:extLst>
                 <a:ext uri="{FF2B5EF4-FFF2-40B4-BE49-F238E27FC236}">
-                  <a16:creationId xmlns="" xmlns:a16="http://schemas.microsoft.com/office/drawing/2014/main" id="{DBD4E389-93EF-4B8C-9B61-2F3B88DC9ED4}"/>
+                  <a16:creationId xmlns:a16="http://schemas.microsoft.com/office/drawing/2014/main" xmlns="" id="{DBD4E389-93EF-4B8C-9B61-2F3B88DC9ED4}"/>
                 </a:ext>
               </a:extLst>
             </p:cNvPr>
@@ -13348,7 +13402,7 @@
               <p:cNvPr id="18" name="Rectangle 17">
                 <a:extLst>
                   <a:ext uri="{FF2B5EF4-FFF2-40B4-BE49-F238E27FC236}">
-                    <a16:creationId xmlns="" xmlns:a16="http://schemas.microsoft.com/office/drawing/2014/main" id="{9B39C6D7-EEFB-4E14-BDF1-8AFA539D9329}"/>
+                    <a16:creationId xmlns:a16="http://schemas.microsoft.com/office/drawing/2014/main" xmlns="" id="{9B39C6D7-EEFB-4E14-BDF1-8AFA539D9329}"/>
                   </a:ext>
                 </a:extLst>
               </p:cNvPr>
@@ -13407,7 +13461,7 @@
               <p:cNvPr id="19" name="TextBox 18">
                 <a:extLst>
                   <a:ext uri="{FF2B5EF4-FFF2-40B4-BE49-F238E27FC236}">
-                    <a16:creationId xmlns="" xmlns:a16="http://schemas.microsoft.com/office/drawing/2014/main" id="{0F32803F-0FED-4CFA-BAAA-F4F84A32634B}"/>
+                    <a16:creationId xmlns:a16="http://schemas.microsoft.com/office/drawing/2014/main" xmlns="" id="{0F32803F-0FED-4CFA-BAAA-F4F84A32634B}"/>
                   </a:ext>
                 </a:extLst>
               </p:cNvPr>
@@ -13439,7 +13493,7 @@
                   </a:buClr>
                 </a:pPr>
                 <a:r>
-                  <a:rPr lang="en-US" b="1" spc="200" dirty="0" smtClean="0">
+                  <a:rPr lang="en-US" b="1" spc="200" smtClean="0">
                     <a:solidFill>
                       <a:schemeClr val="bg2"/>
                     </a:solidFill>
@@ -13449,7 +13503,7 @@
                   <a:t>ATF CAN BE </a:t>
                 </a:r>
                 <a:r>
-                  <a:rPr lang="en-US" b="1" spc="200" dirty="0" smtClean="0">
+                  <a:rPr lang="en-US" b="1" spc="200" smtClean="0">
                     <a:solidFill>
                       <a:srgbClr val="FF0000"/>
                     </a:solidFill>
@@ -13459,7 +13513,7 @@
                   <a:t>CUSTOMIZED</a:t>
                 </a:r>
                 <a:r>
-                  <a:rPr lang="en-US" b="1" spc="200" dirty="0" smtClean="0">
+                  <a:rPr lang="en-US" b="1" spc="200" smtClean="0">
                     <a:solidFill>
                       <a:schemeClr val="bg2"/>
                     </a:solidFill>
@@ -13468,7 +13522,7 @@
                   </a:rPr>
                   <a:t> BY CREATING NEW STEPS</a:t>
                 </a:r>
-                <a:endParaRPr lang="en-US" b="1" spc="200" dirty="0">
+                <a:endParaRPr lang="en-US" b="1" spc="200">
                   <a:solidFill>
                     <a:schemeClr val="bg2"/>
                   </a:solidFill>
@@ -13483,7 +13537,7 @@
               <p:cNvPr id="20" name="Rectangle 19">
                 <a:extLst>
                   <a:ext uri="{FF2B5EF4-FFF2-40B4-BE49-F238E27FC236}">
-                    <a16:creationId xmlns="" xmlns:a16="http://schemas.microsoft.com/office/drawing/2014/main" id="{A1DEFEBD-424B-4EBB-9766-0ED85312BDC9}"/>
+                    <a16:creationId xmlns:a16="http://schemas.microsoft.com/office/drawing/2014/main" xmlns="" id="{A1DEFEBD-424B-4EBB-9766-0ED85312BDC9}"/>
                   </a:ext>
                 </a:extLst>
               </p:cNvPr>
@@ -13539,7 +13593,7 @@
             <p:cNvPr id="13" name="Rectangle 12">
               <a:extLst>
                 <a:ext uri="{FF2B5EF4-FFF2-40B4-BE49-F238E27FC236}">
-                  <a16:creationId xmlns="" xmlns:a16="http://schemas.microsoft.com/office/drawing/2014/main" id="{13B0B6CF-B0BD-4A34-8354-602C0703CAE7}"/>
+                  <a16:creationId xmlns:a16="http://schemas.microsoft.com/office/drawing/2014/main" xmlns="" id="{13B0B6CF-B0BD-4A34-8354-602C0703CAE7}"/>
                 </a:ext>
               </a:extLst>
             </p:cNvPr>
@@ -13601,7 +13655,7 @@
             <p:cNvPr id="14" name="TextBox 13">
               <a:extLst>
                 <a:ext uri="{FF2B5EF4-FFF2-40B4-BE49-F238E27FC236}">
-                  <a16:creationId xmlns="" xmlns:a16="http://schemas.microsoft.com/office/drawing/2014/main" id="{F0CB6F00-FE98-4A62-A6F3-CE62169814BD}"/>
+                  <a16:creationId xmlns:a16="http://schemas.microsoft.com/office/drawing/2014/main" xmlns="" id="{F0CB6F00-FE98-4A62-A6F3-CE62169814BD}"/>
                 </a:ext>
               </a:extLst>
             </p:cNvPr>
@@ -13633,7 +13687,7 @@
                 </a:buClr>
               </a:pPr>
               <a:r>
-                <a:rPr lang="en-US" b="1" spc="200" dirty="0" smtClean="0">
+                <a:rPr lang="en-US" b="1" spc="200" smtClean="0">
                   <a:solidFill>
                     <a:schemeClr val="bg2"/>
                   </a:solidFill>
@@ -13643,7 +13697,7 @@
                 <a:t>ATF TESTS CAN BE CREATED USING </a:t>
               </a:r>
               <a:r>
-                <a:rPr lang="en-US" b="1" spc="200" dirty="0" smtClean="0">
+                <a:rPr lang="en-US" b="1" spc="200" smtClean="0">
                   <a:solidFill>
                     <a:srgbClr val="FF0000"/>
                   </a:solidFill>
@@ -13653,7 +13707,7 @@
                 <a:t>SERVER SIDE </a:t>
               </a:r>
               <a:r>
-                <a:rPr lang="en-US" b="1" spc="200" dirty="0" smtClean="0">
+                <a:rPr lang="en-US" b="1" spc="200" smtClean="0">
                   <a:solidFill>
                     <a:schemeClr val="bg2"/>
                   </a:solidFill>
@@ -13662,7 +13716,7 @@
                 </a:rPr>
                 <a:t>SCRIPTS</a:t>
               </a:r>
-              <a:endParaRPr lang="en-US" b="1" spc="200" dirty="0">
+              <a:endParaRPr lang="en-US" b="1" spc="200">
                 <a:solidFill>
                   <a:schemeClr val="bg2"/>
                 </a:solidFill>
@@ -13677,7 +13731,7 @@
             <p:cNvPr id="15" name="Rectangle 14">
               <a:extLst>
                 <a:ext uri="{FF2B5EF4-FFF2-40B4-BE49-F238E27FC236}">
-                  <a16:creationId xmlns="" xmlns:a16="http://schemas.microsoft.com/office/drawing/2014/main" id="{6EF35873-FFB8-4EC9-A094-CCEAC52FAFF5}"/>
+                  <a16:creationId xmlns:a16="http://schemas.microsoft.com/office/drawing/2014/main" xmlns="" id="{6EF35873-FFB8-4EC9-A094-CCEAC52FAFF5}"/>
                 </a:ext>
               </a:extLst>
             </p:cNvPr>
@@ -13732,7 +13786,7 @@
             <p:cNvPr id="16" name="Oval 15">
               <a:extLst>
                 <a:ext uri="{FF2B5EF4-FFF2-40B4-BE49-F238E27FC236}">
-                  <a16:creationId xmlns="" xmlns:a16="http://schemas.microsoft.com/office/drawing/2014/main" id="{94787828-4708-446A-8226-CD3EFD5920D1}"/>
+                  <a16:creationId xmlns:a16="http://schemas.microsoft.com/office/drawing/2014/main" xmlns="" id="{94787828-4708-446A-8226-CD3EFD5920D1}"/>
                 </a:ext>
               </a:extLst>
             </p:cNvPr>
@@ -13775,7 +13829,7 @@
             <a:p>
               <a:pPr algn="ctr"/>
               <a:r>
-                <a:rPr lang="en-US" sz="4800" dirty="0">
+                <a:rPr lang="en-US" sz="4800">
                   <a:solidFill>
                     <a:srgbClr val="FFFFFF"/>
                   </a:solidFill>
@@ -13793,7 +13847,7 @@
             <p:cNvPr id="17" name="Oval 16">
               <a:extLst>
                 <a:ext uri="{FF2B5EF4-FFF2-40B4-BE49-F238E27FC236}">
-                  <a16:creationId xmlns="" xmlns:a16="http://schemas.microsoft.com/office/drawing/2014/main" id="{627CBCD9-0BE3-4710-8CF2-7EF71FFDADFC}"/>
+                  <a16:creationId xmlns:a16="http://schemas.microsoft.com/office/drawing/2014/main" xmlns="" id="{627CBCD9-0BE3-4710-8CF2-7EF71FFDADFC}"/>
                 </a:ext>
               </a:extLst>
             </p:cNvPr>
@@ -13836,7 +13890,7 @@
             <a:p>
               <a:pPr algn="ctr"/>
               <a:r>
-                <a:rPr lang="en-US" sz="4800" dirty="0">
+                <a:rPr lang="en-US" sz="4800">
                   <a:solidFill>
                     <a:srgbClr val="FFFFFF"/>
                   </a:solidFill>
@@ -13932,7 +13986,7 @@
           <a:lstStyle/>
           <a:p>
             <a:pPr algn="ctr"/>
-            <a:endParaRPr lang="en-US" dirty="0">
+            <a:endParaRPr lang="en-US">
               <a:solidFill>
                 <a:srgbClr val="FFFFFF"/>
               </a:solidFill>
@@ -14148,14 +14202,14 @@
               <a:defRPr/>
             </a:pPr>
             <a:r>
-              <a:rPr lang="en-US" sz="2000" b="1" dirty="0" smtClean="0">
+              <a:rPr lang="en-US" sz="2000" b="1" smtClean="0">
                 <a:solidFill>
                   <a:srgbClr val="FFFFFF"/>
                 </a:solidFill>
               </a:rPr>
               <a:t>Shrity Verma</a:t>
             </a:r>
-            <a:endParaRPr lang="en-US" sz="2000" b="1" dirty="0">
+            <a:endParaRPr lang="en-US" sz="2000" b="1">
               <a:solidFill>
                 <a:srgbClr val="FFFFFF"/>
               </a:solidFill>
@@ -14169,14 +14223,14 @@
               <a:defRPr/>
             </a:pPr>
             <a:r>
-              <a:rPr lang="en-US" sz="2000" i="1" dirty="0" smtClean="0">
+              <a:rPr lang="en-US" sz="2000" i="1" smtClean="0">
                 <a:solidFill>
                   <a:srgbClr val="FFFFFF"/>
                 </a:solidFill>
               </a:rPr>
               <a:t>Sr. Product Manager</a:t>
             </a:r>
-            <a:endParaRPr lang="en-US" sz="2000" i="1" dirty="0">
+            <a:endParaRPr lang="en-US" sz="2000" i="1">
               <a:solidFill>
                 <a:srgbClr val="FFFFFF"/>
               </a:solidFill>
@@ -14190,14 +14244,14 @@
               <a:defRPr/>
             </a:pPr>
             <a:r>
-              <a:rPr lang="en-US" sz="2000" dirty="0" smtClean="0">
+              <a:rPr lang="en-US" sz="2000" smtClean="0">
                 <a:solidFill>
                   <a:srgbClr val="FFFFFF"/>
                 </a:solidFill>
               </a:rPr>
               <a:t>ServiceNow</a:t>
             </a:r>
-            <a:endParaRPr lang="en-US" sz="2000" dirty="0">
+            <a:endParaRPr lang="en-US" sz="2000">
               <a:solidFill>
                 <a:srgbClr val="FFFFFF"/>
               </a:solidFill>
@@ -14211,14 +14265,14 @@
               <a:defRPr/>
             </a:pPr>
             <a:r>
-              <a:rPr lang="en-US" sz="1800" dirty="0" err="1" smtClean="0">
+              <a:rPr lang="en-US" sz="1800" err="1" smtClean="0">
                 <a:solidFill>
                   <a:srgbClr val="FFFFFF"/>
                 </a:solidFill>
               </a:rPr>
               <a:t>Shrity.Verma@servicenow.com</a:t>
             </a:r>
-            <a:endParaRPr lang="en-US" sz="2000" dirty="0">
+            <a:endParaRPr lang="en-US" sz="2000">
               <a:solidFill>
                 <a:srgbClr val="FFFFFF"/>
               </a:solidFill>
@@ -14232,14 +14286,14 @@
               <a:defRPr/>
             </a:pPr>
             <a:r>
-              <a:rPr lang="en-US" sz="2000" b="1" dirty="0" smtClean="0">
+              <a:rPr lang="en-US" sz="2000" b="1" smtClean="0">
                 <a:solidFill>
                   <a:srgbClr val="FFFFFF"/>
                 </a:solidFill>
               </a:rPr>
               <a:t>Joel Fischer</a:t>
             </a:r>
-            <a:endParaRPr lang="en-US" sz="2000" b="1" dirty="0">
+            <a:endParaRPr lang="en-US" sz="2000" b="1">
               <a:solidFill>
                 <a:srgbClr val="FFFFFF"/>
               </a:solidFill>
@@ -14253,14 +14307,14 @@
               <a:defRPr/>
             </a:pPr>
             <a:r>
-              <a:rPr lang="en-US" sz="2000" i="1" dirty="0" smtClean="0">
+              <a:rPr lang="en-US" sz="2000" i="1" smtClean="0">
                 <a:solidFill>
                   <a:srgbClr val="FFFFFF"/>
                 </a:solidFill>
               </a:rPr>
               <a:t>Lead Developer</a:t>
             </a:r>
-            <a:endParaRPr lang="en-US" sz="2000" i="1" dirty="0">
+            <a:endParaRPr lang="en-US" sz="2000" i="1">
               <a:solidFill>
                 <a:srgbClr val="FFFFFF"/>
               </a:solidFill>
@@ -14274,14 +14328,14 @@
               <a:defRPr/>
             </a:pPr>
             <a:r>
-              <a:rPr lang="en-US" sz="2000" dirty="0" smtClean="0">
+              <a:rPr lang="en-US" sz="2000" smtClean="0">
                 <a:solidFill>
                   <a:srgbClr val="FFFFFF"/>
                 </a:solidFill>
               </a:rPr>
               <a:t>ServiceNow</a:t>
             </a:r>
-            <a:endParaRPr lang="en-US" sz="2000" dirty="0">
+            <a:endParaRPr lang="en-US" sz="2000">
               <a:solidFill>
                 <a:srgbClr val="FFFFFF"/>
               </a:solidFill>
@@ -14295,14 +14349,14 @@
               <a:defRPr/>
             </a:pPr>
             <a:r>
-              <a:rPr lang="en-US" sz="1800" dirty="0" err="1" smtClean="0">
+              <a:rPr lang="en-US" sz="1800" err="1" smtClean="0">
                 <a:solidFill>
                   <a:srgbClr val="FFFFFF"/>
                 </a:solidFill>
               </a:rPr>
               <a:t>joel.fischer@servicenow.com</a:t>
             </a:r>
-            <a:endParaRPr lang="en-US" sz="1800" dirty="0">
+            <a:endParaRPr lang="en-US" sz="1800">
               <a:solidFill>
                 <a:srgbClr val="FFFFFF"/>
               </a:solidFill>
@@ -14465,7 +14519,7 @@
           <a:p>
             <a:pPr algn="ctr" eaLnBrk="1" hangingPunct="1"/>
             <a:r>
-              <a:rPr lang="en-US" sz="6000" b="1" dirty="0">
+              <a:rPr lang="en-US" sz="6000" b="1">
                 <a:solidFill>
                   <a:schemeClr val="bg1"/>
                 </a:solidFill>
@@ -14524,7 +14578,7 @@
           <a:lstStyle/>
           <a:p>
             <a:r>
-              <a:rPr lang="en-US" sz="3200" dirty="0"/>
+              <a:rPr lang="en-US" sz="3200"/>
               <a:t>Agenda</a:t>
             </a:r>
           </a:p>
@@ -14535,7 +14589,7 @@
           <p:cNvPr id="5" name="Group 4">
             <a:extLst>
               <a:ext uri="{FF2B5EF4-FFF2-40B4-BE49-F238E27FC236}">
-                <a16:creationId xmlns="" xmlns:a16="http://schemas.microsoft.com/office/drawing/2014/main" id="{FD6CA6A6-DCBA-4D4A-90E8-D0F72AEC09F6}"/>
+                <a16:creationId xmlns:a16="http://schemas.microsoft.com/office/drawing/2014/main" xmlns="" id="{FD6CA6A6-DCBA-4D4A-90E8-D0F72AEC09F6}"/>
               </a:ext>
             </a:extLst>
           </p:cNvPr>
@@ -14555,7 +14609,7 @@
             <p:cNvPr id="7" name="Rectangle 6">
               <a:extLst>
                 <a:ext uri="{FF2B5EF4-FFF2-40B4-BE49-F238E27FC236}">
-                  <a16:creationId xmlns="" xmlns:a16="http://schemas.microsoft.com/office/drawing/2014/main" id="{08C435E4-8A7E-4971-8940-477ACF63645F}"/>
+                  <a16:creationId xmlns:a16="http://schemas.microsoft.com/office/drawing/2014/main" xmlns="" id="{08C435E4-8A7E-4971-8940-477ACF63645F}"/>
                 </a:ext>
               </a:extLst>
             </p:cNvPr>
@@ -14608,7 +14662,7 @@
                   <a:spcPct val="90000"/>
                 </a:lnSpc>
               </a:pPr>
-              <a:endParaRPr lang="en-US" sz="3200" dirty="0"/>
+              <a:endParaRPr lang="en-US" sz="3200"/>
             </a:p>
           </p:txBody>
         </p:sp>
@@ -14617,7 +14671,7 @@
             <p:cNvPr id="8" name="Rectangle 7">
               <a:extLst>
                 <a:ext uri="{FF2B5EF4-FFF2-40B4-BE49-F238E27FC236}">
-                  <a16:creationId xmlns="" xmlns:a16="http://schemas.microsoft.com/office/drawing/2014/main" id="{98AE96A7-A203-4C2A-A8CF-FAAB0E5193FD}"/>
+                  <a16:creationId xmlns:a16="http://schemas.microsoft.com/office/drawing/2014/main" xmlns="" id="{98AE96A7-A203-4C2A-A8CF-FAAB0E5193FD}"/>
                 </a:ext>
               </a:extLst>
             </p:cNvPr>
@@ -14678,14 +14732,14 @@
                 </a:buClr>
               </a:pPr>
               <a:r>
-                <a:rPr lang="en-US" sz="2400" dirty="0" smtClean="0">
+                <a:rPr lang="en-US" sz="2400" smtClean="0">
                   <a:solidFill>
                     <a:schemeClr val="tx1"/>
                   </a:solidFill>
                 </a:rPr>
                 <a:t>Overview</a:t>
               </a:r>
-              <a:endParaRPr lang="en-US" sz="2400" dirty="0">
+              <a:endParaRPr lang="en-US" sz="2400">
                 <a:solidFill>
                   <a:schemeClr val="tx1"/>
                 </a:solidFill>
@@ -14699,7 +14753,7 @@
           <p:cNvPr id="17" name="Group 16">
             <a:extLst>
               <a:ext uri="{FF2B5EF4-FFF2-40B4-BE49-F238E27FC236}">
-                <a16:creationId xmlns="" xmlns:a16="http://schemas.microsoft.com/office/drawing/2014/main" id="{7CB1499C-8665-4CE4-B768-2F500C9FC856}"/>
+                <a16:creationId xmlns:a16="http://schemas.microsoft.com/office/drawing/2014/main" xmlns="" id="{7CB1499C-8665-4CE4-B768-2F500C9FC856}"/>
               </a:ext>
             </a:extLst>
           </p:cNvPr>
@@ -14719,7 +14773,7 @@
             <p:cNvPr id="9" name="Rectangle 8">
               <a:extLst>
                 <a:ext uri="{FF2B5EF4-FFF2-40B4-BE49-F238E27FC236}">
-                  <a16:creationId xmlns="" xmlns:a16="http://schemas.microsoft.com/office/drawing/2014/main" id="{51FC9F92-6EE4-4082-897D-87A88BEC4F42}"/>
+                  <a16:creationId xmlns:a16="http://schemas.microsoft.com/office/drawing/2014/main" xmlns="" id="{51FC9F92-6EE4-4082-897D-87A88BEC4F42}"/>
                 </a:ext>
               </a:extLst>
             </p:cNvPr>
@@ -14772,7 +14826,7 @@
                   <a:spcPct val="90000"/>
                 </a:lnSpc>
               </a:pPr>
-              <a:endParaRPr lang="en-US" sz="3200" dirty="0"/>
+              <a:endParaRPr lang="en-US" sz="3200"/>
             </a:p>
           </p:txBody>
         </p:sp>
@@ -14781,7 +14835,7 @@
             <p:cNvPr id="10" name="Rectangle 9">
               <a:extLst>
                 <a:ext uri="{FF2B5EF4-FFF2-40B4-BE49-F238E27FC236}">
-                  <a16:creationId xmlns="" xmlns:a16="http://schemas.microsoft.com/office/drawing/2014/main" id="{8E3D1B01-DDC5-4B8B-858B-E5ABABE27A81}"/>
+                  <a16:creationId xmlns:a16="http://schemas.microsoft.com/office/drawing/2014/main" xmlns="" id="{8E3D1B01-DDC5-4B8B-858B-E5ABABE27A81}"/>
                 </a:ext>
               </a:extLst>
             </p:cNvPr>
@@ -14842,14 +14896,14 @@
                 </a:buClr>
               </a:pPr>
               <a:r>
-                <a:rPr lang="en-US" sz="2400" dirty="0" smtClean="0">
+                <a:rPr lang="en-US" sz="2400" smtClean="0">
                   <a:solidFill>
                     <a:schemeClr val="tx1"/>
                   </a:solidFill>
                 </a:rPr>
                 <a:t>Setup</a:t>
               </a:r>
-              <a:endParaRPr lang="en-US" sz="2400" dirty="0">
+              <a:endParaRPr lang="en-US" sz="2400">
                 <a:solidFill>
                   <a:schemeClr val="tx1"/>
                 </a:solidFill>
@@ -14863,7 +14917,7 @@
           <p:cNvPr id="18" name="Group 17">
             <a:extLst>
               <a:ext uri="{FF2B5EF4-FFF2-40B4-BE49-F238E27FC236}">
-                <a16:creationId xmlns="" xmlns:a16="http://schemas.microsoft.com/office/drawing/2014/main" id="{1C14CA54-1BA5-4C63-8F59-9B97A4FA7BE3}"/>
+                <a16:creationId xmlns:a16="http://schemas.microsoft.com/office/drawing/2014/main" xmlns="" id="{1C14CA54-1BA5-4C63-8F59-9B97A4FA7BE3}"/>
               </a:ext>
             </a:extLst>
           </p:cNvPr>
@@ -14883,7 +14937,7 @@
             <p:cNvPr id="11" name="Rectangle 10">
               <a:extLst>
                 <a:ext uri="{FF2B5EF4-FFF2-40B4-BE49-F238E27FC236}">
-                  <a16:creationId xmlns="" xmlns:a16="http://schemas.microsoft.com/office/drawing/2014/main" id="{6FA1CF03-D278-4D20-80DC-7A0A16DADA62}"/>
+                  <a16:creationId xmlns:a16="http://schemas.microsoft.com/office/drawing/2014/main" xmlns="" id="{6FA1CF03-D278-4D20-80DC-7A0A16DADA62}"/>
                 </a:ext>
               </a:extLst>
             </p:cNvPr>
@@ -14936,7 +14990,7 @@
                   <a:spcPct val="90000"/>
                 </a:lnSpc>
               </a:pPr>
-              <a:endParaRPr lang="en-US" sz="3200" dirty="0"/>
+              <a:endParaRPr lang="en-US" sz="3200"/>
             </a:p>
           </p:txBody>
         </p:sp>
@@ -14945,7 +14999,7 @@
             <p:cNvPr id="12" name="Rectangle 11">
               <a:extLst>
                 <a:ext uri="{FF2B5EF4-FFF2-40B4-BE49-F238E27FC236}">
-                  <a16:creationId xmlns="" xmlns:a16="http://schemas.microsoft.com/office/drawing/2014/main" id="{6CB41831-CC34-4493-9E8E-811469A49199}"/>
+                  <a16:creationId xmlns:a16="http://schemas.microsoft.com/office/drawing/2014/main" xmlns="" id="{6CB41831-CC34-4493-9E8E-811469A49199}"/>
                 </a:ext>
               </a:extLst>
             </p:cNvPr>
@@ -14995,14 +15049,14 @@
             <a:lstStyle/>
             <a:p>
               <a:r>
-                <a:rPr lang="en-US" sz="2400" dirty="0" smtClean="0">
+                <a:rPr lang="en-US" sz="2400" smtClean="0">
                   <a:solidFill>
                     <a:schemeClr val="tx1"/>
                   </a:solidFill>
                 </a:rPr>
                 <a:t>Create Test using the UI</a:t>
               </a:r>
-              <a:endParaRPr lang="en-US" sz="2400" dirty="0">
+              <a:endParaRPr lang="en-US" sz="2400">
                 <a:solidFill>
                   <a:schemeClr val="tx1"/>
                 </a:solidFill>
@@ -15016,7 +15070,7 @@
           <p:cNvPr id="19" name="Group 18">
             <a:extLst>
               <a:ext uri="{FF2B5EF4-FFF2-40B4-BE49-F238E27FC236}">
-                <a16:creationId xmlns="" xmlns:a16="http://schemas.microsoft.com/office/drawing/2014/main" id="{917D5AB0-DC34-4F04-BE6C-93E2513E46E8}"/>
+                <a16:creationId xmlns:a16="http://schemas.microsoft.com/office/drawing/2014/main" xmlns="" id="{917D5AB0-DC34-4F04-BE6C-93E2513E46E8}"/>
               </a:ext>
             </a:extLst>
           </p:cNvPr>
@@ -15036,7 +15090,7 @@
             <p:cNvPr id="13" name="Rectangle 12">
               <a:extLst>
                 <a:ext uri="{FF2B5EF4-FFF2-40B4-BE49-F238E27FC236}">
-                  <a16:creationId xmlns="" xmlns:a16="http://schemas.microsoft.com/office/drawing/2014/main" id="{BA05C869-854B-4805-97A3-40601FC5B26D}"/>
+                  <a16:creationId xmlns:a16="http://schemas.microsoft.com/office/drawing/2014/main" xmlns="" id="{BA05C869-854B-4805-97A3-40601FC5B26D}"/>
                 </a:ext>
               </a:extLst>
             </p:cNvPr>
@@ -15089,7 +15143,7 @@
                   <a:spcPct val="90000"/>
                 </a:lnSpc>
               </a:pPr>
-              <a:endParaRPr lang="en-US" sz="3200" dirty="0"/>
+              <a:endParaRPr lang="en-US" sz="3200"/>
             </a:p>
           </p:txBody>
         </p:sp>
@@ -15098,7 +15152,7 @@
             <p:cNvPr id="14" name="Rectangle 13">
               <a:extLst>
                 <a:ext uri="{FF2B5EF4-FFF2-40B4-BE49-F238E27FC236}">
-                  <a16:creationId xmlns="" xmlns:a16="http://schemas.microsoft.com/office/drawing/2014/main" id="{A4F3F37A-1E84-458D-9B24-D84BB75B8E4C}"/>
+                  <a16:creationId xmlns:a16="http://schemas.microsoft.com/office/drawing/2014/main" xmlns="" id="{A4F3F37A-1E84-458D-9B24-D84BB75B8E4C}"/>
                 </a:ext>
               </a:extLst>
             </p:cNvPr>
@@ -15159,14 +15213,14 @@
                 </a:buClr>
               </a:pPr>
               <a:r>
-                <a:rPr lang="en-US" sz="2400" dirty="0" smtClean="0">
+                <a:rPr lang="en-US" sz="2400" smtClean="0">
                   <a:solidFill>
                     <a:schemeClr val="tx1"/>
                   </a:solidFill>
                 </a:rPr>
                 <a:t>Create Test using scripts</a:t>
               </a:r>
-              <a:endParaRPr lang="en-US" sz="2400" dirty="0">
+              <a:endParaRPr lang="en-US" sz="2400">
                 <a:solidFill>
                   <a:schemeClr val="tx1"/>
                 </a:solidFill>
@@ -15180,7 +15234,7 @@
           <p:cNvPr id="20" name="Group 19">
             <a:extLst>
               <a:ext uri="{FF2B5EF4-FFF2-40B4-BE49-F238E27FC236}">
-                <a16:creationId xmlns="" xmlns:a16="http://schemas.microsoft.com/office/drawing/2014/main" id="{6B12FA3E-9D0B-41F9-8C1F-86AD6C94B176}"/>
+                <a16:creationId xmlns:a16="http://schemas.microsoft.com/office/drawing/2014/main" xmlns="" id="{6B12FA3E-9D0B-41F9-8C1F-86AD6C94B176}"/>
               </a:ext>
             </a:extLst>
           </p:cNvPr>
@@ -15200,7 +15254,7 @@
             <p:cNvPr id="15" name="Rectangle 14">
               <a:extLst>
                 <a:ext uri="{FF2B5EF4-FFF2-40B4-BE49-F238E27FC236}">
-                  <a16:creationId xmlns="" xmlns:a16="http://schemas.microsoft.com/office/drawing/2014/main" id="{D9824F38-8739-42CA-A6F7-AE775D5FD599}"/>
+                  <a16:creationId xmlns:a16="http://schemas.microsoft.com/office/drawing/2014/main" xmlns="" id="{D9824F38-8739-42CA-A6F7-AE775D5FD599}"/>
                 </a:ext>
               </a:extLst>
             </p:cNvPr>
@@ -15253,7 +15307,7 @@
                   <a:spcPct val="90000"/>
                 </a:lnSpc>
               </a:pPr>
-              <a:endParaRPr lang="en-US" sz="3200" dirty="0"/>
+              <a:endParaRPr lang="en-US" sz="3200"/>
             </a:p>
           </p:txBody>
         </p:sp>
@@ -15262,7 +15316,7 @@
             <p:cNvPr id="16" name="Rectangle 15">
               <a:extLst>
                 <a:ext uri="{FF2B5EF4-FFF2-40B4-BE49-F238E27FC236}">
-                  <a16:creationId xmlns="" xmlns:a16="http://schemas.microsoft.com/office/drawing/2014/main" id="{ACC98883-8A6E-4CF9-813D-AFB2046046E6}"/>
+                  <a16:creationId xmlns:a16="http://schemas.microsoft.com/office/drawing/2014/main" xmlns="" id="{ACC98883-8A6E-4CF9-813D-AFB2046046E6}"/>
                 </a:ext>
               </a:extLst>
             </p:cNvPr>
@@ -15323,14 +15377,14 @@
                 </a:buClr>
               </a:pPr>
               <a:r>
-                <a:rPr lang="en-US" sz="2400" dirty="0" smtClean="0">
+                <a:rPr lang="en-US" sz="2400" smtClean="0">
                   <a:solidFill>
                     <a:schemeClr val="tx1"/>
                   </a:solidFill>
                 </a:rPr>
                 <a:t>Schedule Test</a:t>
               </a:r>
-              <a:endParaRPr lang="en-US" sz="2400" dirty="0">
+              <a:endParaRPr lang="en-US" sz="2400">
                 <a:solidFill>
                   <a:schemeClr val="tx1"/>
                 </a:solidFill>
@@ -15344,7 +15398,7 @@
           <p:cNvPr id="24" name="Group 23">
             <a:extLst>
               <a:ext uri="{FF2B5EF4-FFF2-40B4-BE49-F238E27FC236}">
-                <a16:creationId xmlns="" xmlns:a16="http://schemas.microsoft.com/office/drawing/2014/main" id="{FD6CA6A6-DCBA-4D4A-90E8-D0F72AEC09F6}"/>
+                <a16:creationId xmlns:a16="http://schemas.microsoft.com/office/drawing/2014/main" xmlns="" id="{FD6CA6A6-DCBA-4D4A-90E8-D0F72AEC09F6}"/>
               </a:ext>
             </a:extLst>
           </p:cNvPr>
@@ -15364,7 +15418,7 @@
             <p:cNvPr id="25" name="Rectangle 24">
               <a:extLst>
                 <a:ext uri="{FF2B5EF4-FFF2-40B4-BE49-F238E27FC236}">
-                  <a16:creationId xmlns="" xmlns:a16="http://schemas.microsoft.com/office/drawing/2014/main" id="{08C435E4-8A7E-4971-8940-477ACF63645F}"/>
+                  <a16:creationId xmlns:a16="http://schemas.microsoft.com/office/drawing/2014/main" xmlns="" id="{08C435E4-8A7E-4971-8940-477ACF63645F}"/>
                 </a:ext>
               </a:extLst>
             </p:cNvPr>
@@ -15417,7 +15471,7 @@
                   <a:spcPct val="90000"/>
                 </a:lnSpc>
               </a:pPr>
-              <a:endParaRPr lang="en-US" sz="3200" dirty="0"/>
+              <a:endParaRPr lang="en-US" sz="3200"/>
             </a:p>
           </p:txBody>
         </p:sp>
@@ -15426,7 +15480,7 @@
             <p:cNvPr id="26" name="Rectangle 25">
               <a:extLst>
                 <a:ext uri="{FF2B5EF4-FFF2-40B4-BE49-F238E27FC236}">
-                  <a16:creationId xmlns="" xmlns:a16="http://schemas.microsoft.com/office/drawing/2014/main" id="{98AE96A7-A203-4C2A-A8CF-FAAB0E5193FD}"/>
+                  <a16:creationId xmlns:a16="http://schemas.microsoft.com/office/drawing/2014/main" xmlns="" id="{98AE96A7-A203-4C2A-A8CF-FAAB0E5193FD}"/>
                 </a:ext>
               </a:extLst>
             </p:cNvPr>
@@ -15487,14 +15541,14 @@
                 </a:buClr>
               </a:pPr>
               <a:r>
-                <a:rPr lang="en-US" sz="2400" dirty="0" smtClean="0">
+                <a:rPr lang="en-US" sz="2400" smtClean="0">
                   <a:solidFill>
                     <a:schemeClr val="tx1"/>
                   </a:solidFill>
                 </a:rPr>
                 <a:t>Wrap up</a:t>
               </a:r>
-              <a:endParaRPr lang="en-US" sz="2400" dirty="0">
+              <a:endParaRPr lang="en-US" sz="2400">
                 <a:solidFill>
                   <a:schemeClr val="tx1"/>
                 </a:solidFill>
@@ -15579,7 +15633,7 @@
           <a:lstStyle/>
           <a:p>
             <a:pPr algn="ctr"/>
-            <a:endParaRPr lang="en-US" dirty="0">
+            <a:endParaRPr lang="en-US">
               <a:solidFill>
                 <a:srgbClr val="FFFFFF"/>
               </a:solidFill>
@@ -15603,7 +15657,7 @@
           <a:lstStyle/>
           <a:p>
             <a:r>
-              <a:rPr lang="en-US" sz="3200" dirty="0"/>
+              <a:rPr lang="en-US" sz="3200"/>
               <a:t>Speaker Introduction</a:t>
             </a:r>
           </a:p>
@@ -15634,7 +15688,7 @@
               <a:buNone/>
             </a:pPr>
             <a:r>
-              <a:rPr lang="en-US" b="1" dirty="0">
+              <a:rPr lang="en-US" b="1">
                 <a:solidFill>
                   <a:schemeClr val="bg2"/>
                 </a:solidFill>
@@ -15642,10 +15696,10 @@
               <a:t>NAME: </a:t>
             </a:r>
             <a:r>
-              <a:rPr lang="en-US" dirty="0" smtClean="0"/>
+              <a:rPr lang="en-US" smtClean="0"/>
               <a:t>Shrity Verma</a:t>
             </a:r>
-            <a:endParaRPr lang="en-US" dirty="0"/>
+            <a:endParaRPr lang="en-US"/>
           </a:p>
           <a:p>
             <a:pPr marL="0" indent="0">
@@ -15658,7 +15712,7 @@
               <a:buNone/>
             </a:pPr>
             <a:r>
-              <a:rPr lang="en-US" b="1" dirty="0">
+              <a:rPr lang="en-US" b="1">
                 <a:solidFill>
                   <a:schemeClr val="bg2"/>
                 </a:solidFill>
@@ -15666,10 +15720,10 @@
               <a:t>TITLE: </a:t>
             </a:r>
             <a:r>
-              <a:rPr lang="en-US" dirty="0" smtClean="0"/>
+              <a:rPr lang="en-US" smtClean="0"/>
               <a:t>Sr. Product Manager</a:t>
             </a:r>
-            <a:endParaRPr lang="en-US" dirty="0"/>
+            <a:endParaRPr lang="en-US"/>
           </a:p>
           <a:p>
             <a:pPr marL="0" indent="0">
@@ -15682,7 +15736,7 @@
               <a:buNone/>
             </a:pPr>
             <a:r>
-              <a:rPr lang="en-US" b="1" dirty="0">
+              <a:rPr lang="en-US" b="1">
                 <a:solidFill>
                   <a:schemeClr val="bg2"/>
                 </a:solidFill>
@@ -15690,10 +15744,10 @@
               <a:t>FUNCTION: </a:t>
             </a:r>
             <a:r>
-              <a:rPr lang="en-US" dirty="0" smtClean="0"/>
+              <a:rPr lang="en-US" smtClean="0"/>
               <a:t>Product Management</a:t>
             </a:r>
-            <a:endParaRPr lang="en-US" dirty="0"/>
+            <a:endParaRPr lang="en-US"/>
           </a:p>
           <a:p>
             <a:pPr marL="0" indent="0">
@@ -15706,7 +15760,7 @@
               <a:buNone/>
             </a:pPr>
             <a:r>
-              <a:rPr lang="en-US" b="1" dirty="0">
+              <a:rPr lang="en-US" b="1">
                 <a:solidFill>
                   <a:schemeClr val="bg2"/>
                 </a:solidFill>
@@ -15714,10 +15768,10 @@
               <a:t>COMPANY:  </a:t>
             </a:r>
             <a:r>
-              <a:rPr lang="en-US" dirty="0" smtClean="0"/>
+              <a:rPr lang="en-US" smtClean="0"/>
               <a:t>ServiceNow</a:t>
             </a:r>
-            <a:endParaRPr lang="en-US" dirty="0"/>
+            <a:endParaRPr lang="en-US"/>
           </a:p>
         </p:txBody>
       </p:sp>
@@ -15746,14 +15800,14 @@
               <a:buNone/>
             </a:pPr>
             <a:r>
-              <a:rPr lang="en-US" sz="1800" b="1" dirty="0">
+              <a:rPr lang="en-US" sz="1800" b="1">
                 <a:solidFill>
                   <a:schemeClr val="bg2"/>
                 </a:solidFill>
               </a:rPr>
               <a:t>EXPERIENCE: </a:t>
             </a:r>
-            <a:endParaRPr lang="en-US" sz="1800" b="1" dirty="0" smtClean="0">
+            <a:endParaRPr lang="en-US" sz="1800" b="1" smtClean="0">
               <a:solidFill>
                 <a:schemeClr val="bg2"/>
               </a:solidFill>
@@ -15770,7 +15824,7 @@
               <a:buNone/>
             </a:pPr>
             <a:r>
-              <a:rPr lang="en-US" sz="1800" b="1" dirty="0" smtClean="0">
+              <a:rPr lang="en-US" sz="1800" b="1" smtClean="0">
                 <a:solidFill>
                   <a:schemeClr val="bg2"/>
                 </a:solidFill>
@@ -15778,14 +15832,14 @@
               <a:t>EXPERTISE</a:t>
             </a:r>
             <a:r>
-              <a:rPr lang="en-US" sz="1800" b="1" dirty="0">
+              <a:rPr lang="en-US" sz="1800" b="1">
                 <a:solidFill>
                   <a:schemeClr val="bg2"/>
                 </a:solidFill>
               </a:rPr>
               <a:t>: </a:t>
             </a:r>
-            <a:endParaRPr lang="en-US" sz="1800" b="1" dirty="0" smtClean="0">
+            <a:endParaRPr lang="en-US" sz="1800" b="1" smtClean="0">
               <a:solidFill>
                 <a:schemeClr val="bg2"/>
               </a:solidFill>
@@ -15802,14 +15856,14 @@
               <a:buNone/>
             </a:pPr>
             <a:r>
-              <a:rPr lang="en-US" sz="1800" b="1" dirty="0" smtClean="0">
+              <a:rPr lang="en-US" sz="1800" b="1" smtClean="0">
                 <a:solidFill>
                   <a:schemeClr val="bg2"/>
                 </a:solidFill>
               </a:rPr>
               <a:t>ACHIEVEMENTS:</a:t>
             </a:r>
-            <a:endParaRPr lang="is-IS" sz="1800" dirty="0"/>
+            <a:endParaRPr lang="is-IS" sz="1800"/>
           </a:p>
           <a:p>
             <a:pPr marL="0" indent="0">
@@ -15822,7 +15876,7 @@
               <a:buNone/>
             </a:pPr>
             <a:r>
-              <a:rPr lang="is-IS" sz="1800" b="1" dirty="0">
+              <a:rPr lang="is-IS" sz="1800" b="1">
                 <a:solidFill>
                   <a:schemeClr val="bg2"/>
                 </a:solidFill>
@@ -15830,14 +15884,14 @@
               <a:t>CURRENT PROJECTS</a:t>
             </a:r>
             <a:r>
-              <a:rPr lang="is-IS" sz="1800" b="1" dirty="0" smtClean="0">
+              <a:rPr lang="is-IS" sz="1800" b="1" smtClean="0">
                 <a:solidFill>
                   <a:schemeClr val="bg2"/>
                 </a:solidFill>
               </a:rPr>
               <a:t>:</a:t>
             </a:r>
-            <a:endParaRPr lang="en-US" dirty="0"/>
+            <a:endParaRPr lang="en-US"/>
           </a:p>
           <a:p>
             <a:pPr marL="0" indent="0">
@@ -15849,7 +15903,7 @@
               </a:spcBef>
               <a:buNone/>
             </a:pPr>
-            <a:endParaRPr lang="en-US" sz="1800" dirty="0"/>
+            <a:endParaRPr lang="en-US" sz="1800"/>
           </a:p>
         </p:txBody>
       </p:sp>
@@ -15892,7 +15946,7 @@
           <a:lstStyle/>
           <a:p>
             <a:pPr algn="ctr"/>
-            <a:endParaRPr lang="en-US" dirty="0">
+            <a:endParaRPr lang="en-US">
               <a:solidFill>
                 <a:srgbClr val="FFFFFF"/>
               </a:solidFill>
@@ -15939,7 +15993,7 @@
           <a:lstStyle/>
           <a:p>
             <a:pPr algn="ctr"/>
-            <a:endParaRPr lang="en-US" dirty="0">
+            <a:endParaRPr lang="en-US">
               <a:solidFill>
                 <a:srgbClr val="FFFFFF"/>
               </a:solidFill>
@@ -16096,7 +16150,7 @@
           <a:lstStyle/>
           <a:p>
             <a:pPr algn="ctr"/>
-            <a:endParaRPr lang="en-US" dirty="0">
+            <a:endParaRPr lang="en-US">
               <a:solidFill>
                 <a:srgbClr val="FFFFFF"/>
               </a:solidFill>
@@ -16120,7 +16174,7 @@
           <a:lstStyle/>
           <a:p>
             <a:r>
-              <a:rPr lang="en-US" sz="3200" dirty="0"/>
+              <a:rPr lang="en-US" sz="3200"/>
               <a:t>Speaker Introduction</a:t>
             </a:r>
           </a:p>
@@ -16159,9 +16213,10 @@
               <a:t>NAME: </a:t>
             </a:r>
             <a:r>
-              <a:rPr lang="en-US" dirty="0"/>
-              <a:t>Jane/John Doe</a:t>
-            </a:r>
+              <a:rPr lang="en-US" dirty="0" smtClean="0"/>
+              <a:t>Joel Fischer</a:t>
+            </a:r>
+            <a:endParaRPr lang="en-US" dirty="0"/>
           </a:p>
           <a:p>
             <a:pPr marL="0" indent="0">
@@ -16182,12 +16237,8 @@
               <a:t>TITLE: </a:t>
             </a:r>
             <a:r>
-              <a:rPr lang="en-US" dirty="0"/>
-              <a:t>Architect/Manager/Director/VP/</a:t>
-            </a:r>
-            <a:r>
-              <a:rPr lang="en-US" dirty="0" err="1"/>
-              <a:t>CxO</a:t>
+              <a:rPr lang="en-US" dirty="0" smtClean="0"/>
+              <a:t>Lead Developer</a:t>
             </a:r>
             <a:endParaRPr lang="en-US" dirty="0"/>
           </a:p>
@@ -16211,7 +16262,7 @@
             </a:r>
             <a:r>
               <a:rPr lang="en-US" dirty="0" smtClean="0"/>
-              <a:t>Development</a:t>
+              <a:t>Platform Development</a:t>
             </a:r>
             <a:endParaRPr lang="en-US" dirty="0"/>
           </a:p>
@@ -16274,9 +16325,10 @@
               <a:t>EXPERIENCE: </a:t>
             </a:r>
             <a:r>
-              <a:rPr lang="en-US" sz="1800" dirty="0"/>
-              <a:t>X years in function1, Y years in function2</a:t>
-            </a:r>
+              <a:rPr lang="en-US" dirty="0" smtClean="0"/>
+              <a:t>4 years in platform development with ServiceNow</a:t>
+            </a:r>
+            <a:endParaRPr lang="en-US" sz="1800" dirty="0"/>
           </a:p>
           <a:p>
             <a:pPr marL="0" indent="0">
@@ -16297,9 +16349,10 @@
               <a:t>EXPERTISE: </a:t>
             </a:r>
             <a:r>
-              <a:rPr lang="en-US" sz="1800" dirty="0"/>
-              <a:t>DevOps, Compliance, Devices, Analytics, Security</a:t>
-            </a:r>
+              <a:rPr lang="en-US" sz="1800" dirty="0" smtClean="0"/>
+              <a:t>Automated Test Framework, Upgrades, Update Sets</a:t>
+            </a:r>
+            <a:endParaRPr lang="en-US" sz="1800" dirty="0"/>
           </a:p>
           <a:p>
             <a:pPr marL="0" indent="0">
@@ -16312,56 +16365,26 @@
               <a:buNone/>
             </a:pPr>
             <a:r>
-              <a:rPr lang="en-US" sz="1800" b="1" dirty="0">
+              <a:rPr lang="is-IS" sz="1800" b="1" smtClean="0">
                 <a:solidFill>
                   <a:schemeClr val="bg2"/>
                 </a:solidFill>
               </a:rPr>
-              <a:t>ACHIEVEMENTS: </a:t>
-            </a:r>
-            <a:r>
-              <a:rPr lang="en-US" sz="1800" dirty="0"/>
-              <a:t>Completed first overhaul of deployment process. </a:t>
-            </a:r>
-            <a:r>
-              <a:rPr lang="is-IS" sz="1800" dirty="0"/>
-              <a:t>Reduced customer service response time by x%. </a:t>
-            </a:r>
-            <a:r>
-              <a:rPr lang="en-US" sz="1800" dirty="0"/>
-              <a:t>Developed ServiceNow app that does </a:t>
-            </a:r>
-            <a:r>
-              <a:rPr lang="is-IS" sz="1800" dirty="0"/>
-              <a:t>…</a:t>
-            </a:r>
-          </a:p>
-          <a:p>
-            <a:pPr marL="0" indent="0">
-              <a:lnSpc>
-                <a:spcPct val="100000"/>
-              </a:lnSpc>
-              <a:spcBef>
-                <a:spcPts val="1200"/>
-              </a:spcBef>
-              <a:buNone/>
-            </a:pPr>
+              <a:t>CURRENT </a:t>
+            </a:r>
             <a:r>
               <a:rPr lang="is-IS" sz="1800" b="1" dirty="0">
                 <a:solidFill>
                   <a:schemeClr val="bg2"/>
                 </a:solidFill>
               </a:rPr>
-              <a:t>CURRENT PROJECTS: </a:t>
-            </a:r>
-            <a:r>
-              <a:rPr lang="is-IS" sz="1800" dirty="0"/>
-              <a:t>Driving process efficiencies. </a:t>
-            </a:r>
-            <a:r>
-              <a:rPr lang="en-US" sz="1800" dirty="0"/>
-              <a:t>Automating all procurements/HR work streams </a:t>
-            </a:r>
+              <a:t>PROJECTS: </a:t>
+            </a:r>
+            <a:r>
+              <a:rPr lang="en-US" sz="1800" dirty="0" smtClean="0"/>
+              <a:t>Owns development of the Automated Test Framework</a:t>
+            </a:r>
+            <a:endParaRPr lang="en-US" sz="1800" dirty="0"/>
           </a:p>
           <a:p>
             <a:pPr marL="231775" lvl="1" indent="0">
@@ -16556,6 +16579,30 @@
           </a:fontRef>
         </p:style>
       </p:cxnSp>
+      <p:pic>
+        <p:nvPicPr>
+          <p:cNvPr id="9" name="Picture 8"/>
+          <p:cNvPicPr>
+            <a:picLocks noChangeAspect="1"/>
+          </p:cNvPicPr>
+          <p:nvPr/>
+        </p:nvPicPr>
+        <p:blipFill>
+          <a:blip r:embed="rId4"/>
+          <a:stretch>
+            <a:fillRect/>
+          </a:stretch>
+        </p:blipFill>
+        <p:spPr>
+          <a:xfrm>
+            <a:off x="486061" y="1266352"/>
+            <a:ext cx="2044700" cy="2044700"/>
+          </a:xfrm>
+          <a:prstGeom prst="rect">
+            <a:avLst/>
+          </a:prstGeom>
+        </p:spPr>
+      </p:pic>
     </p:spTree>
     <p:extLst>
       <p:ext uri="{BB962C8B-B14F-4D97-AF65-F5344CB8AC3E}">
@@ -16616,7 +16663,7 @@
           <p:cNvPr id="7" name="Group 6">
             <a:extLst>
               <a:ext uri="{FF2B5EF4-FFF2-40B4-BE49-F238E27FC236}">
-                <a16:creationId xmlns="" xmlns:a16="http://schemas.microsoft.com/office/drawing/2014/main" id="{455393AD-C149-4875-B7FF-63FF8FA04944}"/>
+                <a16:creationId xmlns:a16="http://schemas.microsoft.com/office/drawing/2014/main" xmlns="" id="{455393AD-C149-4875-B7FF-63FF8FA04944}"/>
               </a:ext>
             </a:extLst>
           </p:cNvPr>
@@ -16636,7 +16683,7 @@
             <p:cNvPr id="8" name="Rectangle 7">
               <a:extLst>
                 <a:ext uri="{FF2B5EF4-FFF2-40B4-BE49-F238E27FC236}">
-                  <a16:creationId xmlns="" xmlns:a16="http://schemas.microsoft.com/office/drawing/2014/main" id="{98E173D1-AE2E-4967-9456-EE0D53DCAF03}"/>
+                  <a16:creationId xmlns:a16="http://schemas.microsoft.com/office/drawing/2014/main" xmlns="" id="{98E173D1-AE2E-4967-9456-EE0D53DCAF03}"/>
                 </a:ext>
               </a:extLst>
             </p:cNvPr>
@@ -16680,7 +16727,7 @@
             <a:lstStyle/>
             <a:p>
               <a:pPr algn="ctr"/>
-              <a:endParaRPr lang="en-US">
+              <a:endParaRPr lang="en-US" dirty="0">
                 <a:solidFill>
                   <a:srgbClr val="FFFFFF"/>
                 </a:solidFill>
@@ -16693,7 +16740,7 @@
             <p:cNvPr id="9" name="TextBox 8">
               <a:extLst>
                 <a:ext uri="{FF2B5EF4-FFF2-40B4-BE49-F238E27FC236}">
-                  <a16:creationId xmlns="" xmlns:a16="http://schemas.microsoft.com/office/drawing/2014/main" id="{7CF5CE77-141A-4D8F-9E5A-0EE4BA1277B7}"/>
+                  <a16:creationId xmlns:a16="http://schemas.microsoft.com/office/drawing/2014/main" xmlns="" id="{7CF5CE77-141A-4D8F-9E5A-0EE4BA1277B7}"/>
                 </a:ext>
               </a:extLst>
             </p:cNvPr>
@@ -16802,7 +16849,7 @@
             <p:cNvPr id="10" name="Rectangle 9">
               <a:extLst>
                 <a:ext uri="{FF2B5EF4-FFF2-40B4-BE49-F238E27FC236}">
-                  <a16:creationId xmlns="" xmlns:a16="http://schemas.microsoft.com/office/drawing/2014/main" id="{4F5A631F-6121-4440-A9B1-004AC0159EF8}"/>
+                  <a16:creationId xmlns:a16="http://schemas.microsoft.com/office/drawing/2014/main" xmlns="" id="{4F5A631F-6121-4440-A9B1-004AC0159EF8}"/>
                 </a:ext>
               </a:extLst>
             </p:cNvPr>
@@ -16844,7 +16891,7 @@
             <a:lstStyle/>
             <a:p>
               <a:pPr algn="ctr"/>
-              <a:endParaRPr lang="en-US">
+              <a:endParaRPr lang="en-US" dirty="0">
                 <a:solidFill>
                   <a:srgbClr val="FFFFFF"/>
                 </a:solidFill>
@@ -16857,7 +16904,7 @@
             <p:cNvPr id="11" name="Oval 10">
               <a:extLst>
                 <a:ext uri="{FF2B5EF4-FFF2-40B4-BE49-F238E27FC236}">
-                  <a16:creationId xmlns="" xmlns:a16="http://schemas.microsoft.com/office/drawing/2014/main" id="{83DA1A7E-F626-4A0E-B774-95FEC47281FC}"/>
+                  <a16:creationId xmlns:a16="http://schemas.microsoft.com/office/drawing/2014/main" xmlns="" id="{83DA1A7E-F626-4A0E-B774-95FEC47281FC}"/>
                 </a:ext>
               </a:extLst>
             </p:cNvPr>
@@ -16918,7 +16965,7 @@
             <p:cNvPr id="12" name="Group 11">
               <a:extLst>
                 <a:ext uri="{FF2B5EF4-FFF2-40B4-BE49-F238E27FC236}">
-                  <a16:creationId xmlns="" xmlns:a16="http://schemas.microsoft.com/office/drawing/2014/main" id="{DBD4E389-93EF-4B8C-9B61-2F3B88DC9ED4}"/>
+                  <a16:creationId xmlns:a16="http://schemas.microsoft.com/office/drawing/2014/main" xmlns="" id="{DBD4E389-93EF-4B8C-9B61-2F3B88DC9ED4}"/>
                 </a:ext>
               </a:extLst>
             </p:cNvPr>
@@ -16938,7 +16985,7 @@
               <p:cNvPr id="18" name="Rectangle 17">
                 <a:extLst>
                   <a:ext uri="{FF2B5EF4-FFF2-40B4-BE49-F238E27FC236}">
-                    <a16:creationId xmlns="" xmlns:a16="http://schemas.microsoft.com/office/drawing/2014/main" id="{9B39C6D7-EEFB-4E14-BDF1-8AFA539D9329}"/>
+                    <a16:creationId xmlns:a16="http://schemas.microsoft.com/office/drawing/2014/main" xmlns="" id="{9B39C6D7-EEFB-4E14-BDF1-8AFA539D9329}"/>
                   </a:ext>
                 </a:extLst>
               </p:cNvPr>
@@ -16984,7 +17031,7 @@
               <a:lstStyle/>
               <a:p>
                 <a:pPr algn="ctr"/>
-                <a:endParaRPr lang="en-US">
+                <a:endParaRPr lang="en-US" dirty="0">
                   <a:solidFill>
                     <a:srgbClr val="FFFFFF"/>
                   </a:solidFill>
@@ -16997,7 +17044,7 @@
               <p:cNvPr id="19" name="TextBox 18">
                 <a:extLst>
                   <a:ext uri="{FF2B5EF4-FFF2-40B4-BE49-F238E27FC236}">
-                    <a16:creationId xmlns="" xmlns:a16="http://schemas.microsoft.com/office/drawing/2014/main" id="{0F32803F-0FED-4CFA-BAAA-F4F84A32634B}"/>
+                    <a16:creationId xmlns:a16="http://schemas.microsoft.com/office/drawing/2014/main" xmlns="" id="{0F32803F-0FED-4CFA-BAAA-F4F84A32634B}"/>
                   </a:ext>
                 </a:extLst>
               </p:cNvPr>
@@ -17106,7 +17153,7 @@
               <p:cNvPr id="20" name="Rectangle 19">
                 <a:extLst>
                   <a:ext uri="{FF2B5EF4-FFF2-40B4-BE49-F238E27FC236}">
-                    <a16:creationId xmlns="" xmlns:a16="http://schemas.microsoft.com/office/drawing/2014/main" id="{A1DEFEBD-424B-4EBB-9766-0ED85312BDC9}"/>
+                    <a16:creationId xmlns:a16="http://schemas.microsoft.com/office/drawing/2014/main" xmlns="" id="{A1DEFEBD-424B-4EBB-9766-0ED85312BDC9}"/>
                   </a:ext>
                 </a:extLst>
               </p:cNvPr>
@@ -17148,7 +17195,7 @@
               <a:lstStyle/>
               <a:p>
                 <a:pPr algn="ctr"/>
-                <a:endParaRPr lang="en-US">
+                <a:endParaRPr lang="en-US" dirty="0">
                   <a:solidFill>
                     <a:srgbClr val="FFFFFF"/>
                   </a:solidFill>
@@ -17162,7 +17209,7 @@
             <p:cNvPr id="13" name="Rectangle 12">
               <a:extLst>
                 <a:ext uri="{FF2B5EF4-FFF2-40B4-BE49-F238E27FC236}">
-                  <a16:creationId xmlns="" xmlns:a16="http://schemas.microsoft.com/office/drawing/2014/main" id="{13B0B6CF-B0BD-4A34-8354-602C0703CAE7}"/>
+                  <a16:creationId xmlns:a16="http://schemas.microsoft.com/office/drawing/2014/main" xmlns="" id="{13B0B6CF-B0BD-4A34-8354-602C0703CAE7}"/>
                 </a:ext>
               </a:extLst>
             </p:cNvPr>
@@ -17211,7 +17258,7 @@
             <a:lstStyle/>
             <a:p>
               <a:pPr algn="ctr"/>
-              <a:endParaRPr lang="en-US">
+              <a:endParaRPr lang="en-US" dirty="0">
                 <a:solidFill>
                   <a:srgbClr val="FFFFFF"/>
                 </a:solidFill>
@@ -17224,7 +17271,7 @@
             <p:cNvPr id="14" name="TextBox 13">
               <a:extLst>
                 <a:ext uri="{FF2B5EF4-FFF2-40B4-BE49-F238E27FC236}">
-                  <a16:creationId xmlns="" xmlns:a16="http://schemas.microsoft.com/office/drawing/2014/main" id="{F0CB6F00-FE98-4A62-A6F3-CE62169814BD}"/>
+                  <a16:creationId xmlns:a16="http://schemas.microsoft.com/office/drawing/2014/main" xmlns="" id="{F0CB6F00-FE98-4A62-A6F3-CE62169814BD}"/>
                 </a:ext>
               </a:extLst>
             </p:cNvPr>
@@ -17264,18 +17311,7 @@
                   <a:ea typeface="Calibri" charset="0"/>
                   <a:cs typeface="Calibri" charset="0"/>
                 </a:rPr>
-                <a:t>FAMILIARITY </a:t>
-              </a:r>
-              <a:r>
-                <a:rPr lang="en-US" b="1" spc="200" dirty="0" smtClean="0">
-                  <a:solidFill>
-                    <a:schemeClr val="bg2"/>
-                  </a:solidFill>
-                  <a:latin typeface="Calibri" charset="0"/>
-                  <a:ea typeface="Calibri" charset="0"/>
-                  <a:cs typeface="Calibri" charset="0"/>
-                </a:rPr>
-                <a:t>WITH</a:t>
+                <a:t>FAMILIARITY WITH</a:t>
               </a:r>
             </a:p>
             <a:p>
@@ -17312,7 +17348,7 @@
             <p:cNvPr id="15" name="Rectangle 14">
               <a:extLst>
                 <a:ext uri="{FF2B5EF4-FFF2-40B4-BE49-F238E27FC236}">
-                  <a16:creationId xmlns="" xmlns:a16="http://schemas.microsoft.com/office/drawing/2014/main" id="{6EF35873-FFB8-4EC9-A094-CCEAC52FAFF5}"/>
+                  <a16:creationId xmlns:a16="http://schemas.microsoft.com/office/drawing/2014/main" xmlns="" id="{6EF35873-FFB8-4EC9-A094-CCEAC52FAFF5}"/>
                 </a:ext>
               </a:extLst>
             </p:cNvPr>
@@ -17354,7 +17390,7 @@
             <a:lstStyle/>
             <a:p>
               <a:pPr algn="ctr"/>
-              <a:endParaRPr lang="en-US">
+              <a:endParaRPr lang="en-US" dirty="0">
                 <a:solidFill>
                   <a:srgbClr val="FFFFFF"/>
                 </a:solidFill>
@@ -17367,7 +17403,7 @@
             <p:cNvPr id="16" name="Oval 15">
               <a:extLst>
                 <a:ext uri="{FF2B5EF4-FFF2-40B4-BE49-F238E27FC236}">
-                  <a16:creationId xmlns="" xmlns:a16="http://schemas.microsoft.com/office/drawing/2014/main" id="{94787828-4708-446A-8226-CD3EFD5920D1}"/>
+                  <a16:creationId xmlns:a16="http://schemas.microsoft.com/office/drawing/2014/main" xmlns="" id="{94787828-4708-446A-8226-CD3EFD5920D1}"/>
                 </a:ext>
               </a:extLst>
             </p:cNvPr>
@@ -17428,7 +17464,7 @@
             <p:cNvPr id="17" name="Oval 16">
               <a:extLst>
                 <a:ext uri="{FF2B5EF4-FFF2-40B4-BE49-F238E27FC236}">
-                  <a16:creationId xmlns="" xmlns:a16="http://schemas.microsoft.com/office/drawing/2014/main" id="{627CBCD9-0BE3-4710-8CF2-7EF71FFDADFC}"/>
+                  <a16:creationId xmlns:a16="http://schemas.microsoft.com/office/drawing/2014/main" xmlns="" id="{627CBCD9-0BE3-4710-8CF2-7EF71FFDADFC}"/>
                 </a:ext>
               </a:extLst>
             </p:cNvPr>
@@ -17567,7 +17603,7 @@
           <a:lstStyle/>
           <a:p>
             <a:pPr algn="ctr" defTabSz="457109"/>
-            <a:endParaRPr lang="en-US">
+            <a:endParaRPr lang="en-US" dirty="0">
               <a:solidFill>
                 <a:srgbClr val="FFFFFF"/>
               </a:solidFill>
@@ -17830,7 +17866,7 @@
                 <a:srgbClr val="646464"/>
               </a:buClr>
             </a:pPr>
-            <a:endParaRPr lang="en-US">
+            <a:endParaRPr lang="en-US" dirty="0">
               <a:solidFill>
                 <a:srgbClr val="9FA2A3"/>
               </a:solidFill>
@@ -17884,7 +17920,7 @@
           <a:lstStyle/>
           <a:p>
             <a:pPr algn="ctr" defTabSz="457109"/>
-            <a:endParaRPr lang="en-US">
+            <a:endParaRPr lang="en-US" dirty="0">
               <a:solidFill>
                 <a:srgbClr val="FFFFFF"/>
               </a:solidFill>
@@ -18405,19 +18441,39 @@
           <a:p>
             <a:r>
               <a:rPr lang="en-US" dirty="0" smtClean="0"/>
-              <a:t>Trouble shoot failed test</a:t>
-            </a:r>
-          </a:p>
-          <a:p>
+              <a:t>Troubleshoot a failed </a:t>
+            </a:r>
             <a:r>
               <a:rPr lang="en-US" dirty="0" smtClean="0"/>
-              <a:t>How to test a Service Catalog </a:t>
+              <a:t>test</a:t>
             </a:r>
           </a:p>
           <a:p>
             <a:r>
               <a:rPr lang="en-US" dirty="0" smtClean="0"/>
-              <a:t>How to test Left Navigator</a:t>
+              <a:t>How to test </a:t>
+            </a:r>
+            <a:r>
+              <a:rPr lang="en-US" dirty="0" smtClean="0"/>
+              <a:t>Service </a:t>
+            </a:r>
+            <a:r>
+              <a:rPr lang="en-US" dirty="0" smtClean="0"/>
+              <a:t>Catalog </a:t>
+            </a:r>
+          </a:p>
+          <a:p>
+            <a:r>
+              <a:rPr lang="en-US" dirty="0" smtClean="0"/>
+              <a:t>How to test </a:t>
+            </a:r>
+            <a:r>
+              <a:rPr lang="en-US" dirty="0" smtClean="0"/>
+              <a:t>the Left </a:t>
+            </a:r>
+            <a:r>
+              <a:rPr lang="en-US" dirty="0" smtClean="0"/>
+              <a:t>Navigator</a:t>
             </a:r>
           </a:p>
           <a:p>
@@ -18769,7 +18825,11 @@
           <a:p>
             <a:r>
               <a:rPr lang="en-US" dirty="0" smtClean="0"/>
-              <a:t>Lab 1: How to create simple test</a:t>
+              <a:t>Lab 1: How to create </a:t>
+            </a:r>
+            <a:r>
+              <a:rPr lang="en-US" dirty="0" smtClean="0"/>
+              <a:t>basic test</a:t>
             </a:r>
             <a:endParaRPr lang="en-US" dirty="0"/>
           </a:p>
@@ -18807,32 +18867,46 @@
               <a:t>a </a:t>
             </a:r>
             <a:r>
-              <a:rPr lang="en-US" dirty="0" err="1"/>
-              <a:t>testcase</a:t>
-            </a:r>
-            <a:r>
-              <a:rPr lang="en-US" dirty="0"/>
-              <a:t> to </a:t>
-            </a:r>
-            <a:r>
               <a:rPr lang="en-US" dirty="0" smtClean="0"/>
-              <a:t>test opening of Media Library Form by user able </a:t>
+              <a:t>test case to assert </a:t>
+            </a:r>
+            <a:r>
+              <a:rPr lang="en-US" dirty="0" smtClean="0"/>
+              <a:t>the user Abel </a:t>
             </a:r>
             <a:r>
               <a:rPr lang="en-US" dirty="0" err="1" smtClean="0"/>
-              <a:t>tuter</a:t>
+              <a:t>Tuter</a:t>
             </a:r>
             <a:r>
               <a:rPr lang="en-US" dirty="0" smtClean="0"/>
-              <a:t> works</a:t>
-            </a:r>
+              <a:t> can open the </a:t>
+            </a:r>
+            <a:r>
+              <a:rPr lang="en-US" dirty="0" smtClean="0"/>
+              <a:t>Media </a:t>
+            </a:r>
+            <a:r>
+              <a:rPr lang="en-US" dirty="0" smtClean="0"/>
+              <a:t>Library </a:t>
+            </a:r>
+            <a:r>
+              <a:rPr lang="en-US" dirty="0" smtClean="0"/>
+              <a:t>Form</a:t>
+            </a:r>
+            <a:endParaRPr lang="en-US" dirty="0" smtClean="0"/>
           </a:p>
           <a:p>
             <a:pPr lvl="1"/>
             <a:r>
               <a:rPr lang="en-US" dirty="0" smtClean="0"/>
-              <a:t>Run the rest</a:t>
-            </a:r>
+              <a:t>Run the </a:t>
+            </a:r>
+            <a:r>
+              <a:rPr lang="en-US" dirty="0" smtClean="0"/>
+              <a:t>test</a:t>
+            </a:r>
+            <a:endParaRPr lang="en-US" dirty="0" smtClean="0"/>
           </a:p>
           <a:p>
             <a:r>
@@ -18844,8 +18918,13 @@
             <a:pPr lvl="1"/>
             <a:r>
               <a:rPr lang="en-US" dirty="0" smtClean="0"/>
-              <a:t>The test should pass</a:t>
-            </a:r>
+              <a:t>The test should </a:t>
+            </a:r>
+            <a:r>
+              <a:rPr lang="en-US" dirty="0" smtClean="0"/>
+              <a:t>pass, stating it successfully opened the form</a:t>
+            </a:r>
+            <a:endParaRPr lang="en-US" dirty="0" smtClean="0"/>
           </a:p>
         </p:txBody>
       </p:sp>
